--- a/benavidesSQL2.pptx
+++ b/benavidesSQL2.pptx
@@ -9,6 +9,12 @@
     <p:sldId id="257" r:id="rId3"/>
     <p:sldId id="261" r:id="rId4"/>
     <p:sldId id="260" r:id="rId5"/>
+    <p:sldId id="263" r:id="rId6"/>
+    <p:sldId id="262" r:id="rId7"/>
+    <p:sldId id="264" r:id="rId8"/>
+    <p:sldId id="265" r:id="rId9"/>
+    <p:sldId id="266" r:id="rId10"/>
+    <p:sldId id="267" r:id="rId11"/>
   </p:sldIdLst>
   <p:sldSz cx="12192000" cy="6858000"/>
   <p:notesSz cx="6858000" cy="9144000"/>
@@ -246,7 +252,7 @@
           <a:p>
             <a:fld id="{880942DB-3AED-4EC5-828F-CD896F80FF61}" type="datetimeFigureOut">
               <a:rPr lang="es-AR" smtClean="0"/>
-              <a:t>24/11/2022</a:t>
+              <a:t>2/1/2023</a:t>
             </a:fld>
             <a:endParaRPr lang="es-AR"/>
           </a:p>
@@ -416,7 +422,7 @@
           <a:p>
             <a:fld id="{880942DB-3AED-4EC5-828F-CD896F80FF61}" type="datetimeFigureOut">
               <a:rPr lang="es-AR" smtClean="0"/>
-              <a:t>24/11/2022</a:t>
+              <a:t>2/1/2023</a:t>
             </a:fld>
             <a:endParaRPr lang="es-AR"/>
           </a:p>
@@ -596,7 +602,7 @@
           <a:p>
             <a:fld id="{880942DB-3AED-4EC5-828F-CD896F80FF61}" type="datetimeFigureOut">
               <a:rPr lang="es-AR" smtClean="0"/>
-              <a:t>24/11/2022</a:t>
+              <a:t>2/1/2023</a:t>
             </a:fld>
             <a:endParaRPr lang="es-AR"/>
           </a:p>
@@ -766,7 +772,7 @@
           <a:p>
             <a:fld id="{880942DB-3AED-4EC5-828F-CD896F80FF61}" type="datetimeFigureOut">
               <a:rPr lang="es-AR" smtClean="0"/>
-              <a:t>24/11/2022</a:t>
+              <a:t>2/1/2023</a:t>
             </a:fld>
             <a:endParaRPr lang="es-AR"/>
           </a:p>
@@ -1012,7 +1018,7 @@
           <a:p>
             <a:fld id="{880942DB-3AED-4EC5-828F-CD896F80FF61}" type="datetimeFigureOut">
               <a:rPr lang="es-AR" smtClean="0"/>
-              <a:t>24/11/2022</a:t>
+              <a:t>2/1/2023</a:t>
             </a:fld>
             <a:endParaRPr lang="es-AR"/>
           </a:p>
@@ -1244,7 +1250,7 @@
           <a:p>
             <a:fld id="{880942DB-3AED-4EC5-828F-CD896F80FF61}" type="datetimeFigureOut">
               <a:rPr lang="es-AR" smtClean="0"/>
-              <a:t>24/11/2022</a:t>
+              <a:t>2/1/2023</a:t>
             </a:fld>
             <a:endParaRPr lang="es-AR"/>
           </a:p>
@@ -1611,7 +1617,7 @@
           <a:p>
             <a:fld id="{880942DB-3AED-4EC5-828F-CD896F80FF61}" type="datetimeFigureOut">
               <a:rPr lang="es-AR" smtClean="0"/>
-              <a:t>24/11/2022</a:t>
+              <a:t>2/1/2023</a:t>
             </a:fld>
             <a:endParaRPr lang="es-AR"/>
           </a:p>
@@ -1729,7 +1735,7 @@
           <a:p>
             <a:fld id="{880942DB-3AED-4EC5-828F-CD896F80FF61}" type="datetimeFigureOut">
               <a:rPr lang="es-AR" smtClean="0"/>
-              <a:t>24/11/2022</a:t>
+              <a:t>2/1/2023</a:t>
             </a:fld>
             <a:endParaRPr lang="es-AR"/>
           </a:p>
@@ -1824,7 +1830,7 @@
           <a:p>
             <a:fld id="{880942DB-3AED-4EC5-828F-CD896F80FF61}" type="datetimeFigureOut">
               <a:rPr lang="es-AR" smtClean="0"/>
-              <a:t>24/11/2022</a:t>
+              <a:t>2/1/2023</a:t>
             </a:fld>
             <a:endParaRPr lang="es-AR"/>
           </a:p>
@@ -2101,7 +2107,7 @@
           <a:p>
             <a:fld id="{880942DB-3AED-4EC5-828F-CD896F80FF61}" type="datetimeFigureOut">
               <a:rPr lang="es-AR" smtClean="0"/>
-              <a:t>24/11/2022</a:t>
+              <a:t>2/1/2023</a:t>
             </a:fld>
             <a:endParaRPr lang="es-AR"/>
           </a:p>
@@ -2354,7 +2360,7 @@
           <a:p>
             <a:fld id="{880942DB-3AED-4EC5-828F-CD896F80FF61}" type="datetimeFigureOut">
               <a:rPr lang="es-AR" smtClean="0"/>
-              <a:t>24/11/2022</a:t>
+              <a:t>2/1/2023</a:t>
             </a:fld>
             <a:endParaRPr lang="es-AR"/>
           </a:p>
@@ -2567,7 +2573,7 @@
           <a:p>
             <a:fld id="{880942DB-3AED-4EC5-828F-CD896F80FF61}" type="datetimeFigureOut">
               <a:rPr lang="es-AR" smtClean="0"/>
-              <a:t>24/11/2022</a:t>
+              <a:t>2/1/2023</a:t>
             </a:fld>
             <a:endParaRPr lang="es-AR"/>
           </a:p>
@@ -3037,7 +3043,14 @@
                 <a:latin typeface="Arial" panose="020B0604020202020204" pitchFamily="34" charset="0"/>
                 <a:cs typeface="Arial" panose="020B0604020202020204" pitchFamily="34" charset="0"/>
               </a:rPr>
-              <a:t>Primera entrega del proyecto final</a:t>
+              <a:t>Segunda entrega </a:t>
+            </a:r>
+            <a:r>
+              <a:rPr lang="es-AR" sz="2400" dirty="0" smtClean="0">
+                <a:latin typeface="Arial" panose="020B0604020202020204" pitchFamily="34" charset="0"/>
+                <a:cs typeface="Arial" panose="020B0604020202020204" pitchFamily="34" charset="0"/>
+              </a:rPr>
+              <a:t>del proyecto final</a:t>
             </a:r>
             <a:endParaRPr lang="es-AR" sz="2400" dirty="0">
               <a:latin typeface="Arial" panose="020B0604020202020204" pitchFamily="34" charset="0"/>
@@ -3163,6 +3176,347 @@
     <p:extLst>
       <p:ext uri="{BB962C8B-B14F-4D97-AF65-F5344CB8AC3E}">
         <p14:creationId xmlns:p14="http://schemas.microsoft.com/office/powerpoint/2010/main" val="2398055363"/>
+      </p:ext>
+    </p:extLst>
+  </p:cSld>
+  <p:clrMapOvr>
+    <a:masterClrMapping/>
+  </p:clrMapOvr>
+</p:sld>
+</file>
+
+<file path=ppt/slides/slide10.xml><?xml version="1.0" encoding="utf-8"?>
+<p:sld xmlns:a="http://schemas.openxmlformats.org/drawingml/2006/main" xmlns:r="http://schemas.openxmlformats.org/officeDocument/2006/relationships" xmlns:p="http://schemas.openxmlformats.org/presentationml/2006/main">
+  <p:cSld>
+    <p:spTree>
+      <p:nvGrpSpPr>
+        <p:cNvPr id="1" name=""/>
+        <p:cNvGrpSpPr/>
+        <p:nvPr/>
+      </p:nvGrpSpPr>
+      <p:grpSpPr>
+        <a:xfrm>
+          <a:off x="0" y="0"/>
+          <a:ext cx="0" cy="0"/>
+          <a:chOff x="0" y="0"/>
+          <a:chExt cx="0" cy="0"/>
+        </a:xfrm>
+      </p:grpSpPr>
+      <p:pic>
+        <p:nvPicPr>
+          <p:cNvPr id="1026" name="Picture 2" descr="Club Movistar | Beneficios y descuentos | Coderhouse - 20% extra en cursos  y carreras del Plan Coder Beca"/>
+          <p:cNvPicPr>
+            <a:picLocks noChangeAspect="1" noChangeArrowheads="1"/>
+          </p:cNvPicPr>
+          <p:nvPr/>
+        </p:nvPicPr>
+        <p:blipFill rotWithShape="1">
+          <a:blip r:embed="rId2">
+            <a:extLst>
+              <a:ext uri="{28A0092B-C50C-407E-A947-70E740481C1C}">
+                <a14:useLocalDpi xmlns:a14="http://schemas.microsoft.com/office/drawing/2010/main" val="0"/>
+              </a:ext>
+            </a:extLst>
+          </a:blip>
+          <a:srcRect l="9683" t="37420" r="7509" b="39070"/>
+          <a:stretch/>
+        </p:blipFill>
+        <p:spPr bwMode="auto">
+          <a:xfrm>
+            <a:off x="4319451" y="608835"/>
+            <a:ext cx="3500846" cy="993931"/>
+          </a:xfrm>
+          <a:prstGeom prst="rect">
+            <a:avLst/>
+          </a:prstGeom>
+          <a:noFill/>
+          <a:extLst>
+            <a:ext uri="{909E8E84-426E-40DD-AFC4-6F175D3DCCD1}">
+              <a14:hiddenFill xmlns:a14="http://schemas.microsoft.com/office/drawing/2010/main">
+                <a:solidFill>
+                  <a:srgbClr val="FFFFFF"/>
+                </a:solidFill>
+              </a14:hiddenFill>
+            </a:ext>
+          </a:extLst>
+        </p:spPr>
+      </p:pic>
+      <p:sp>
+        <p:nvSpPr>
+          <p:cNvPr id="2" name="CuadroTexto 1"/>
+          <p:cNvSpPr txBox="1"/>
+          <p:nvPr/>
+        </p:nvSpPr>
+        <p:spPr>
+          <a:xfrm>
+            <a:off x="505097" y="2203269"/>
+            <a:ext cx="9927718" cy="461665"/>
+          </a:xfrm>
+          <a:prstGeom prst="rect">
+            <a:avLst/>
+          </a:prstGeom>
+          <a:noFill/>
+        </p:spPr>
+        <p:txBody>
+          <a:bodyPr wrap="none" rtlCol="0">
+            <a:spAutoFit/>
+          </a:bodyPr>
+          <a:lstStyle/>
+          <a:p>
+            <a:r>
+              <a:rPr lang="es-AR" sz="2400" u="sng" dirty="0" smtClean="0">
+                <a:latin typeface="Arial" panose="020B0604020202020204" pitchFamily="34" charset="0"/>
+                <a:cs typeface="Arial" panose="020B0604020202020204" pitchFamily="34" charset="0"/>
+              </a:rPr>
+              <a:t>Gestión de clínica odontológica </a:t>
+            </a:r>
+            <a:r>
+              <a:rPr lang="es-AR" sz="2400" u="sng" dirty="0" smtClean="0">
+                <a:latin typeface="Arial" panose="020B0604020202020204" pitchFamily="34" charset="0"/>
+                <a:cs typeface="Arial" panose="020B0604020202020204" pitchFamily="34" charset="0"/>
+              </a:rPr>
+              <a:t>pequeña – Objetos de la base de datos</a:t>
+            </a:r>
+            <a:endParaRPr lang="es-AR" sz="2400" u="sng" dirty="0">
+              <a:latin typeface="Arial" panose="020B0604020202020204" pitchFamily="34" charset="0"/>
+              <a:cs typeface="Arial" panose="020B0604020202020204" pitchFamily="34" charset="0"/>
+            </a:endParaRPr>
+          </a:p>
+        </p:txBody>
+      </p:sp>
+      <p:sp>
+        <p:nvSpPr>
+          <p:cNvPr id="5" name="CuadroTexto 4"/>
+          <p:cNvSpPr txBox="1"/>
+          <p:nvPr/>
+        </p:nvSpPr>
+        <p:spPr>
+          <a:xfrm>
+            <a:off x="3361509" y="2664934"/>
+            <a:ext cx="184731" cy="369332"/>
+          </a:xfrm>
+          <a:prstGeom prst="rect">
+            <a:avLst/>
+          </a:prstGeom>
+          <a:noFill/>
+        </p:spPr>
+        <p:txBody>
+          <a:bodyPr wrap="none" rtlCol="0">
+            <a:spAutoFit/>
+          </a:bodyPr>
+          <a:lstStyle/>
+          <a:p>
+            <a:endParaRPr lang="es-AR" dirty="0"/>
+          </a:p>
+        </p:txBody>
+      </p:sp>
+      <p:sp>
+        <p:nvSpPr>
+          <p:cNvPr id="6" name="CuadroTexto 5"/>
+          <p:cNvSpPr txBox="1"/>
+          <p:nvPr/>
+        </p:nvSpPr>
+        <p:spPr>
+          <a:xfrm>
+            <a:off x="261257" y="2934511"/>
+            <a:ext cx="11817531" cy="2616101"/>
+          </a:xfrm>
+          <a:prstGeom prst="rect">
+            <a:avLst/>
+          </a:prstGeom>
+          <a:noFill/>
+        </p:spPr>
+        <p:txBody>
+          <a:bodyPr wrap="square" rtlCol="0">
+            <a:spAutoFit/>
+          </a:bodyPr>
+          <a:lstStyle/>
+          <a:p>
+            <a:r>
+              <a:rPr lang="es-AR" dirty="0" smtClean="0">
+                <a:latin typeface="Arial" panose="020B0604020202020204" pitchFamily="34" charset="0"/>
+                <a:cs typeface="Arial" panose="020B0604020202020204" pitchFamily="34" charset="0"/>
+              </a:rPr>
+              <a:t>Vistas:</a:t>
+            </a:r>
+            <a:endParaRPr lang="es-AR" dirty="0" smtClean="0">
+              <a:latin typeface="Arial" panose="020B0604020202020204" pitchFamily="34" charset="0"/>
+              <a:cs typeface="Arial" panose="020B0604020202020204" pitchFamily="34" charset="0"/>
+            </a:endParaRPr>
+          </a:p>
+          <a:p>
+            <a:endParaRPr lang="es-AR" dirty="0" smtClean="0">
+              <a:latin typeface="Arial" panose="020B0604020202020204" pitchFamily="34" charset="0"/>
+              <a:cs typeface="Arial" panose="020B0604020202020204" pitchFamily="34" charset="0"/>
+            </a:endParaRPr>
+          </a:p>
+          <a:p>
+            <a:pPr marL="285750" indent="-285750">
+              <a:buFont typeface="Arial" panose="020B0604020202020204" pitchFamily="34" charset="0"/>
+              <a:buChar char="•"/>
+            </a:pPr>
+            <a:r>
+              <a:rPr lang="es-AR" sz="1600" dirty="0" smtClean="0">
+                <a:latin typeface="Arial" panose="020B0604020202020204" pitchFamily="34" charset="0"/>
+                <a:cs typeface="Arial" panose="020B0604020202020204" pitchFamily="34" charset="0"/>
+              </a:rPr>
+              <a:t>performance: Me permite ver cuantos tratamientos realiza un odontólogo de cada tipo, de manera de evaluar su performance en un determinado período. También se puede obtener la performance de la clínica entera, para encontrar falencias.</a:t>
+            </a:r>
+          </a:p>
+          <a:p>
+            <a:pPr marL="285750" indent="-285750">
+              <a:buFont typeface="Arial" panose="020B0604020202020204" pitchFamily="34" charset="0"/>
+              <a:buChar char="•"/>
+            </a:pPr>
+            <a:endParaRPr lang="es-AR" sz="1600" dirty="0">
+              <a:latin typeface="Arial" panose="020B0604020202020204" pitchFamily="34" charset="0"/>
+              <a:cs typeface="Arial" panose="020B0604020202020204" pitchFamily="34" charset="0"/>
+            </a:endParaRPr>
+          </a:p>
+          <a:p>
+            <a:pPr marL="285750" indent="-285750">
+              <a:buFont typeface="Arial" panose="020B0604020202020204" pitchFamily="34" charset="0"/>
+              <a:buChar char="•"/>
+            </a:pPr>
+            <a:r>
+              <a:rPr lang="es-AR" sz="1600" dirty="0" err="1" smtClean="0">
+                <a:latin typeface="Arial" panose="020B0604020202020204" pitchFamily="34" charset="0"/>
+                <a:cs typeface="Arial" panose="020B0604020202020204" pitchFamily="34" charset="0"/>
+              </a:rPr>
+              <a:t>facturacion_clinica</a:t>
+            </a:r>
+            <a:r>
+              <a:rPr lang="es-AR" sz="1600" dirty="0" smtClean="0">
+                <a:latin typeface="Arial" panose="020B0604020202020204" pitchFamily="34" charset="0"/>
+                <a:cs typeface="Arial" panose="020B0604020202020204" pitchFamily="34" charset="0"/>
+              </a:rPr>
+              <a:t>: Permite obtener la facturación de la clínica, separada por el modo de pago que utilizan los clientes, en un período de tiempo en particular.</a:t>
+            </a:r>
+          </a:p>
+          <a:p>
+            <a:pPr marL="285750" indent="-285750">
+              <a:buFont typeface="Arial" panose="020B0604020202020204" pitchFamily="34" charset="0"/>
+              <a:buChar char="•"/>
+            </a:pPr>
+            <a:endParaRPr lang="es-AR" sz="1600" dirty="0">
+              <a:latin typeface="Arial" panose="020B0604020202020204" pitchFamily="34" charset="0"/>
+              <a:cs typeface="Arial" panose="020B0604020202020204" pitchFamily="34" charset="0"/>
+            </a:endParaRPr>
+          </a:p>
+          <a:p>
+            <a:pPr marL="285750" indent="-285750">
+              <a:buFont typeface="Arial" panose="020B0604020202020204" pitchFamily="34" charset="0"/>
+              <a:buChar char="•"/>
+            </a:pPr>
+            <a:r>
+              <a:rPr lang="es-AR" sz="1600" dirty="0" err="1" smtClean="0">
+                <a:latin typeface="Arial" panose="020B0604020202020204" pitchFamily="34" charset="0"/>
+                <a:cs typeface="Arial" panose="020B0604020202020204" pitchFamily="34" charset="0"/>
+              </a:rPr>
+              <a:t>facturacion_odontologo</a:t>
+            </a:r>
+            <a:r>
+              <a:rPr lang="es-AR" sz="1600" dirty="0" smtClean="0">
+                <a:latin typeface="Arial" panose="020B0604020202020204" pitchFamily="34" charset="0"/>
+                <a:cs typeface="Arial" panose="020B0604020202020204" pitchFamily="34" charset="0"/>
+              </a:rPr>
+              <a:t>: Permite obtener la facturación de un odontólogo, discriminada por los distintos tratamiento </a:t>
+            </a:r>
+            <a:r>
+              <a:rPr lang="es-AR" sz="1600" smtClean="0">
+                <a:latin typeface="Arial" panose="020B0604020202020204" pitchFamily="34" charset="0"/>
+                <a:cs typeface="Arial" panose="020B0604020202020204" pitchFamily="34" charset="0"/>
+              </a:rPr>
+              <a:t>que realiza.</a:t>
+            </a:r>
+            <a:endParaRPr lang="es-AR" sz="1600" dirty="0" smtClean="0">
+              <a:latin typeface="Arial" panose="020B0604020202020204" pitchFamily="34" charset="0"/>
+              <a:cs typeface="Arial" panose="020B0604020202020204" pitchFamily="34" charset="0"/>
+            </a:endParaRPr>
+          </a:p>
+        </p:txBody>
+      </p:sp>
+      <p:sp>
+        <p:nvSpPr>
+          <p:cNvPr id="7" name="CuadroTexto 6"/>
+          <p:cNvSpPr txBox="1"/>
+          <p:nvPr/>
+        </p:nvSpPr>
+        <p:spPr>
+          <a:xfrm>
+            <a:off x="261257" y="6066410"/>
+            <a:ext cx="11930743" cy="646331"/>
+          </a:xfrm>
+          <a:prstGeom prst="rect">
+            <a:avLst/>
+          </a:prstGeom>
+          <a:noFill/>
+        </p:spPr>
+        <p:txBody>
+          <a:bodyPr wrap="square" rtlCol="0">
+            <a:spAutoFit/>
+          </a:bodyPr>
+          <a:lstStyle/>
+          <a:p>
+            <a:pPr algn="ctr"/>
+            <a:r>
+              <a:rPr lang="es-AR" dirty="0" smtClean="0">
+                <a:latin typeface="Arial" panose="020B0604020202020204" pitchFamily="34" charset="0"/>
+                <a:cs typeface="Arial" panose="020B0604020202020204" pitchFamily="34" charset="0"/>
+              </a:rPr>
+              <a:t>Link a archivo </a:t>
+            </a:r>
+            <a:r>
+              <a:rPr lang="es-AR" dirty="0" smtClean="0">
+                <a:latin typeface="Arial" panose="020B0604020202020204" pitchFamily="34" charset="0"/>
+                <a:cs typeface="Arial" panose="020B0604020202020204" pitchFamily="34" charset="0"/>
+              </a:rPr>
+              <a:t>.</a:t>
+            </a:r>
+            <a:r>
+              <a:rPr lang="es-AR" dirty="0" err="1" smtClean="0">
+                <a:latin typeface="Arial" panose="020B0604020202020204" pitchFamily="34" charset="0"/>
+                <a:cs typeface="Arial" panose="020B0604020202020204" pitchFamily="34" charset="0"/>
+              </a:rPr>
+              <a:t>sql</a:t>
+            </a:r>
+            <a:r>
+              <a:rPr lang="es-AR" dirty="0" smtClean="0">
+                <a:latin typeface="Arial" panose="020B0604020202020204" pitchFamily="34" charset="0"/>
+                <a:cs typeface="Arial" panose="020B0604020202020204" pitchFamily="34" charset="0"/>
+              </a:rPr>
+              <a:t>:</a:t>
+            </a:r>
+          </a:p>
+          <a:p>
+            <a:pPr algn="ctr"/>
+            <a:r>
+              <a:rPr lang="es-AR" dirty="0">
+                <a:latin typeface="Arial" panose="020B0604020202020204" pitchFamily="34" charset="0"/>
+                <a:cs typeface="Arial" panose="020B0604020202020204" pitchFamily="34" charset="0"/>
+                <a:hlinkClick r:id="rId3"/>
+              </a:rPr>
+              <a:t>https://</a:t>
+            </a:r>
+            <a:r>
+              <a:rPr lang="es-AR" dirty="0" smtClean="0">
+                <a:latin typeface="Arial" panose="020B0604020202020204" pitchFamily="34" charset="0"/>
+                <a:cs typeface="Arial" panose="020B0604020202020204" pitchFamily="34" charset="0"/>
+                <a:hlinkClick r:id="rId3"/>
+              </a:rPr>
+              <a:t>github.com/lbenav90/fymdentalSQL/blob/ac464f341bdef3450f2acb8ecc745e6df3cb82cc/fymdental.sql</a:t>
+            </a:r>
+            <a:endParaRPr lang="es-AR" dirty="0" smtClean="0">
+              <a:latin typeface="Arial" panose="020B0604020202020204" pitchFamily="34" charset="0"/>
+              <a:cs typeface="Arial" panose="020B0604020202020204" pitchFamily="34" charset="0"/>
+            </a:endParaRPr>
+          </a:p>
+        </p:txBody>
+      </p:sp>
+    </p:spTree>
+    <p:extLst>
+      <p:ext uri="{BB962C8B-B14F-4D97-AF65-F5344CB8AC3E}">
+        <p14:creationId xmlns:p14="http://schemas.microsoft.com/office/powerpoint/2010/main" val="1277834312"/>
       </p:ext>
     </p:extLst>
   </p:cSld>
@@ -3572,21 +3926,35 @@
                 <a:latin typeface="Arial" panose="020B0604020202020204" pitchFamily="34" charset="0"/>
                 <a:cs typeface="Arial" panose="020B0604020202020204" pitchFamily="34" charset="0"/>
               </a:rPr>
-              <a:t>Algunas funcionalidades que voy a agregar a lo largo del curso incluyen: seguimiento de stock y proveedores, sistema de odontólogos externos para realizar pedidos al laboratorio odontológico interno, tablas de </a:t>
-            </a:r>
-            <a:r>
-              <a:rPr lang="es-AR" dirty="0" err="1" smtClean="0">
-                <a:latin typeface="Arial" panose="020B0604020202020204" pitchFamily="34" charset="0"/>
-                <a:cs typeface="Arial" panose="020B0604020202020204" pitchFamily="34" charset="0"/>
-              </a:rPr>
-              <a:t>logs</a:t>
+              <a:t>Algunas funcionalidades que voy a agregar </a:t>
             </a:r>
             <a:r>
               <a:rPr lang="es-AR" dirty="0" smtClean="0">
                 <a:latin typeface="Arial" panose="020B0604020202020204" pitchFamily="34" charset="0"/>
                 <a:cs typeface="Arial" panose="020B0604020202020204" pitchFamily="34" charset="0"/>
               </a:rPr>
-              <a:t> y eventos, sistema de manejo de imágenes radiográficas virtual, etc.</a:t>
+              <a:t>incluyen</a:t>
+            </a:r>
+            <a:r>
+              <a:rPr lang="es-AR" dirty="0" smtClean="0">
+                <a:latin typeface="Arial" panose="020B0604020202020204" pitchFamily="34" charset="0"/>
+                <a:cs typeface="Arial" panose="020B0604020202020204" pitchFamily="34" charset="0"/>
+              </a:rPr>
+              <a:t>: seguimiento de stock y proveedores, sistema de odontólogos externos para realizar pedidos al laboratorio odontológico interno, </a:t>
+            </a:r>
+            <a:r>
+              <a:rPr lang="es-AR" dirty="0" smtClean="0">
+                <a:latin typeface="Arial" panose="020B0604020202020204" pitchFamily="34" charset="0"/>
+                <a:cs typeface="Arial" panose="020B0604020202020204" pitchFamily="34" charset="0"/>
+              </a:rPr>
+              <a:t>sistema </a:t>
+            </a:r>
+            <a:r>
+              <a:rPr lang="es-AR" dirty="0" smtClean="0">
+                <a:latin typeface="Arial" panose="020B0604020202020204" pitchFamily="34" charset="0"/>
+                <a:cs typeface="Arial" panose="020B0604020202020204" pitchFamily="34" charset="0"/>
+              </a:rPr>
+              <a:t>de manejo de imágenes radiográficas virtual, etc.</a:t>
             </a:r>
             <a:endParaRPr lang="es-AR" dirty="0">
               <a:latin typeface="Arial" panose="020B0604020202020204" pitchFamily="34" charset="0"/>
@@ -3709,7 +4077,7 @@
         <p:spPr>
           <a:xfrm>
             <a:off x="505097" y="2203269"/>
-            <a:ext cx="5751896" cy="461665"/>
+            <a:ext cx="9927718" cy="461665"/>
           </a:xfrm>
           <a:prstGeom prst="rect">
             <a:avLst/>
@@ -3727,7 +4095,14 @@
                 <a:latin typeface="Arial" panose="020B0604020202020204" pitchFamily="34" charset="0"/>
                 <a:cs typeface="Arial" panose="020B0604020202020204" pitchFamily="34" charset="0"/>
               </a:rPr>
-              <a:t>Gestión de clínica odontológica pequeña</a:t>
+              <a:t>Gestión de clínica odontológica </a:t>
+            </a:r>
+            <a:r>
+              <a:rPr lang="es-AR" sz="2400" u="sng" dirty="0" smtClean="0">
+                <a:latin typeface="Arial" panose="020B0604020202020204" pitchFamily="34" charset="0"/>
+                <a:cs typeface="Arial" panose="020B0604020202020204" pitchFamily="34" charset="0"/>
+              </a:rPr>
+              <a:t>pequeña – Objetos de la base de datos</a:t>
             </a:r>
             <a:endParaRPr lang="es-AR" sz="2400" u="sng" dirty="0">
               <a:latin typeface="Arial" panose="020B0604020202020204" pitchFamily="34" charset="0"/>
@@ -3770,8 +4145,8 @@
         </p:nvSpPr>
         <p:spPr>
           <a:xfrm>
-            <a:off x="1297576" y="2934511"/>
-            <a:ext cx="9614264" cy="2862322"/>
+            <a:off x="261257" y="2934511"/>
+            <a:ext cx="11817531" cy="2369880"/>
           </a:xfrm>
           <a:prstGeom prst="rect">
             <a:avLst/>
@@ -3785,69 +4160,211 @@
           <a:lstStyle/>
           <a:p>
             <a:r>
+              <a:rPr lang="es-AR" dirty="0" err="1" smtClean="0">
+                <a:latin typeface="Arial" panose="020B0604020202020204" pitchFamily="34" charset="0"/>
+                <a:cs typeface="Arial" panose="020B0604020202020204" pitchFamily="34" charset="0"/>
+              </a:rPr>
+              <a:t>Stored</a:t>
+            </a:r>
+            <a:r>
               <a:rPr lang="es-AR" dirty="0" smtClean="0">
                 <a:latin typeface="Arial" panose="020B0604020202020204" pitchFamily="34" charset="0"/>
                 <a:cs typeface="Arial" panose="020B0604020202020204" pitchFamily="34" charset="0"/>
               </a:rPr>
-              <a:t>Algunas consultas que se pueden obtener (como vistas, por ejemplo):</a:t>
-            </a:r>
-          </a:p>
-          <a:p>
-            <a:endParaRPr lang="es-AR" dirty="0">
+              <a:t> </a:t>
+            </a:r>
+            <a:r>
+              <a:rPr lang="es-AR" dirty="0" err="1" smtClean="0">
+                <a:latin typeface="Arial" panose="020B0604020202020204" pitchFamily="34" charset="0"/>
+                <a:cs typeface="Arial" panose="020B0604020202020204" pitchFamily="34" charset="0"/>
+              </a:rPr>
+              <a:t>procedures</a:t>
+            </a:r>
+            <a:r>
+              <a:rPr lang="es-AR" dirty="0" smtClean="0">
+                <a:latin typeface="Arial" panose="020B0604020202020204" pitchFamily="34" charset="0"/>
+                <a:cs typeface="Arial" panose="020B0604020202020204" pitchFamily="34" charset="0"/>
+              </a:rPr>
+              <a:t>:</a:t>
+            </a:r>
+            <a:endParaRPr lang="es-AR" dirty="0" smtClean="0">
               <a:latin typeface="Arial" panose="020B0604020202020204" pitchFamily="34" charset="0"/>
               <a:cs typeface="Arial" panose="020B0604020202020204" pitchFamily="34" charset="0"/>
             </a:endParaRPr>
           </a:p>
           <a:p>
-            <a:pPr marL="1200150" lvl="2" indent="-285750">
+            <a:endParaRPr lang="es-AR" dirty="0" smtClean="0">
+              <a:latin typeface="Arial" panose="020B0604020202020204" pitchFamily="34" charset="0"/>
+              <a:cs typeface="Arial" panose="020B0604020202020204" pitchFamily="34" charset="0"/>
+            </a:endParaRPr>
+          </a:p>
+          <a:p>
+            <a:pPr marL="285750" indent="-285750">
               <a:buFont typeface="Arial" panose="020B0604020202020204" pitchFamily="34" charset="0"/>
               <a:buChar char="•"/>
             </a:pPr>
             <a:r>
-              <a:rPr lang="es-AR" dirty="0" smtClean="0">
-                <a:latin typeface="Arial" panose="020B0604020202020204" pitchFamily="34" charset="0"/>
-                <a:cs typeface="Arial" panose="020B0604020202020204" pitchFamily="34" charset="0"/>
-              </a:rPr>
-              <a:t>Historia clínica de un paciente consultando la tabla que contiene las evoluciones que se realizan sobre él</a:t>
-            </a:r>
-          </a:p>
-          <a:p>
-            <a:pPr marL="1200150" lvl="2" indent="-285750">
+              <a:rPr lang="es-AR" sz="1600" dirty="0" err="1" smtClean="0">
+                <a:latin typeface="Arial" panose="020B0604020202020204" pitchFamily="34" charset="0"/>
+                <a:cs typeface="Arial" panose="020B0604020202020204" pitchFamily="34" charset="0"/>
+              </a:rPr>
+              <a:t>lista_emails</a:t>
+            </a:r>
+            <a:r>
+              <a:rPr lang="es-AR" sz="1600" dirty="0" smtClean="0">
+                <a:latin typeface="Arial" panose="020B0604020202020204" pitchFamily="34" charset="0"/>
+                <a:cs typeface="Arial" panose="020B0604020202020204" pitchFamily="34" charset="0"/>
+              </a:rPr>
+              <a:t>: Es un </a:t>
+            </a:r>
+            <a:r>
+              <a:rPr lang="es-AR" sz="1600" dirty="0" err="1" smtClean="0">
+                <a:latin typeface="Arial" panose="020B0604020202020204" pitchFamily="34" charset="0"/>
+                <a:cs typeface="Arial" panose="020B0604020202020204" pitchFamily="34" charset="0"/>
+              </a:rPr>
+              <a:t>stored</a:t>
+            </a:r>
+            <a:r>
+              <a:rPr lang="es-AR" sz="1600" dirty="0" smtClean="0">
+                <a:latin typeface="Arial" panose="020B0604020202020204" pitchFamily="34" charset="0"/>
+                <a:cs typeface="Arial" panose="020B0604020202020204" pitchFamily="34" charset="0"/>
+              </a:rPr>
+              <a:t> </a:t>
+            </a:r>
+            <a:r>
+              <a:rPr lang="es-AR" sz="1600" dirty="0" err="1" smtClean="0">
+                <a:latin typeface="Arial" panose="020B0604020202020204" pitchFamily="34" charset="0"/>
+                <a:cs typeface="Arial" panose="020B0604020202020204" pitchFamily="34" charset="0"/>
+              </a:rPr>
+              <a:t>procedure</a:t>
+            </a:r>
+            <a:r>
+              <a:rPr lang="es-AR" sz="1600" dirty="0" smtClean="0">
+                <a:latin typeface="Arial" panose="020B0604020202020204" pitchFamily="34" charset="0"/>
+                <a:cs typeface="Arial" panose="020B0604020202020204" pitchFamily="34" charset="0"/>
+              </a:rPr>
+              <a:t> que permite obtener una lista de emails de los pacientes ordenada según la columna que se desee y ascendente o descendente.</a:t>
+            </a:r>
+            <a:r>
+              <a:rPr lang="es-AR" sz="1600" dirty="0">
+                <a:latin typeface="Arial" panose="020B0604020202020204" pitchFamily="34" charset="0"/>
+                <a:cs typeface="Arial" panose="020B0604020202020204" pitchFamily="34" charset="0"/>
+              </a:rPr>
+              <a:t> </a:t>
+            </a:r>
+            <a:r>
+              <a:rPr lang="es-AR" sz="1600" dirty="0" smtClean="0">
+                <a:latin typeface="Arial" panose="020B0604020202020204" pitchFamily="34" charset="0"/>
+                <a:cs typeface="Arial" panose="020B0604020202020204" pitchFamily="34" charset="0"/>
+              </a:rPr>
+              <a:t>Requiere dos parámetros, ‘</a:t>
+            </a:r>
+            <a:r>
+              <a:rPr lang="es-AR" sz="1600" dirty="0" err="1" smtClean="0">
+                <a:latin typeface="Arial" panose="020B0604020202020204" pitchFamily="34" charset="0"/>
+                <a:cs typeface="Arial" panose="020B0604020202020204" pitchFamily="34" charset="0"/>
+              </a:rPr>
+              <a:t>order_column</a:t>
+            </a:r>
+            <a:r>
+              <a:rPr lang="es-AR" sz="1600" dirty="0" smtClean="0">
+                <a:latin typeface="Arial" panose="020B0604020202020204" pitchFamily="34" charset="0"/>
+                <a:cs typeface="Arial" panose="020B0604020202020204" pitchFamily="34" charset="0"/>
+              </a:rPr>
+              <a:t>’, un VARCHAR con el nombre de la columna por la que se desea ordenar y ‘</a:t>
+            </a:r>
+            <a:r>
+              <a:rPr lang="es-AR" sz="1600" dirty="0" err="1" smtClean="0">
+                <a:latin typeface="Arial" panose="020B0604020202020204" pitchFamily="34" charset="0"/>
+                <a:cs typeface="Arial" panose="020B0604020202020204" pitchFamily="34" charset="0"/>
+              </a:rPr>
+              <a:t>direction</a:t>
+            </a:r>
+            <a:r>
+              <a:rPr lang="es-AR" sz="1600" dirty="0" smtClean="0">
+                <a:latin typeface="Arial" panose="020B0604020202020204" pitchFamily="34" charset="0"/>
+                <a:cs typeface="Arial" panose="020B0604020202020204" pitchFamily="34" charset="0"/>
+              </a:rPr>
+              <a:t>’, un VARCHAR que puede ser ‘ASC’ o ‘DESC’ según deseado.</a:t>
+            </a:r>
+          </a:p>
+          <a:p>
+            <a:pPr marL="285750" indent="-285750">
               <a:buFont typeface="Arial" panose="020B0604020202020204" pitchFamily="34" charset="0"/>
               <a:buChar char="•"/>
             </a:pPr>
-            <a:r>
-              <a:rPr lang="es-AR" dirty="0" smtClean="0">
-                <a:latin typeface="Arial" panose="020B0604020202020204" pitchFamily="34" charset="0"/>
-                <a:cs typeface="Arial" panose="020B0604020202020204" pitchFamily="34" charset="0"/>
-              </a:rPr>
-              <a:t>Facturación mensual de un odontólogo, accediendo a los pagos que realiza un paciente sobre las evoluciones que se encuentran a nombre del odontólogo</a:t>
-            </a:r>
-          </a:p>
-          <a:p>
-            <a:pPr marL="1200150" lvl="2" indent="-285750">
+            <a:endParaRPr lang="es-AR" sz="1600" dirty="0" smtClean="0">
+              <a:latin typeface="Arial" panose="020B0604020202020204" pitchFamily="34" charset="0"/>
+              <a:cs typeface="Arial" panose="020B0604020202020204" pitchFamily="34" charset="0"/>
+            </a:endParaRPr>
+          </a:p>
+          <a:p>
+            <a:pPr marL="285750" indent="-285750">
               <a:buFont typeface="Arial" panose="020B0604020202020204" pitchFamily="34" charset="0"/>
               <a:buChar char="•"/>
             </a:pPr>
             <a:r>
-              <a:rPr lang="es-AR" dirty="0" smtClean="0">
-                <a:latin typeface="Arial" panose="020B0604020202020204" pitchFamily="34" charset="0"/>
-                <a:cs typeface="Arial" panose="020B0604020202020204" pitchFamily="34" charset="0"/>
-              </a:rPr>
-              <a:t>Calendario de turnos del centro (o de un odontólogo) para un día/semana/mes en particular</a:t>
-            </a:r>
-          </a:p>
-          <a:p>
-            <a:pPr marL="1200150" lvl="2" indent="-285750">
-              <a:buFont typeface="Arial" panose="020B0604020202020204" pitchFamily="34" charset="0"/>
-              <a:buChar char="•"/>
-            </a:pPr>
-            <a:r>
-              <a:rPr lang="es-AR" dirty="0" smtClean="0">
-                <a:latin typeface="Arial" panose="020B0604020202020204" pitchFamily="34" charset="0"/>
-                <a:cs typeface="Arial" panose="020B0604020202020204" pitchFamily="34" charset="0"/>
-              </a:rPr>
-              <a:t>Historial de la performance de los odontólogos en el pasado (por ejemplo, quién arregla más caries, quien hace más conductos, etc.)</a:t>
+              <a:rPr lang="es-AR" sz="1600" dirty="0" err="1" smtClean="0">
+                <a:latin typeface="Arial" panose="020B0604020202020204" pitchFamily="34" charset="0"/>
+                <a:cs typeface="Arial" panose="020B0604020202020204" pitchFamily="34" charset="0"/>
+              </a:rPr>
+              <a:t>aumentar_precios</a:t>
+            </a:r>
+            <a:r>
+              <a:rPr lang="es-AR" sz="1600" dirty="0" smtClean="0">
+                <a:latin typeface="Arial" panose="020B0604020202020204" pitchFamily="34" charset="0"/>
+                <a:cs typeface="Arial" panose="020B0604020202020204" pitchFamily="34" charset="0"/>
+              </a:rPr>
+              <a:t>: Esta rutina permite aplicar un porcentaje de aumento a todos los precios de los tratamientos de la base de datos. Posee dos parámetros, ‘</a:t>
+            </a:r>
+            <a:r>
+              <a:rPr lang="es-AR" sz="1600" dirty="0" err="1" smtClean="0">
+                <a:latin typeface="Arial" panose="020B0604020202020204" pitchFamily="34" charset="0"/>
+                <a:cs typeface="Arial" panose="020B0604020202020204" pitchFamily="34" charset="0"/>
+              </a:rPr>
+              <a:t>porcentaje_aumento</a:t>
+            </a:r>
+            <a:r>
+              <a:rPr lang="es-AR" sz="1600" dirty="0" smtClean="0">
+                <a:latin typeface="Arial" panose="020B0604020202020204" pitchFamily="34" charset="0"/>
+                <a:cs typeface="Arial" panose="020B0604020202020204" pitchFamily="34" charset="0"/>
+              </a:rPr>
+              <a:t>’, un INT entre 0 y 100 </a:t>
+            </a:r>
+            <a:r>
+              <a:rPr lang="es-AR" sz="1600" dirty="0" err="1" smtClean="0">
+                <a:latin typeface="Arial" panose="020B0604020202020204" pitchFamily="34" charset="0"/>
+                <a:cs typeface="Arial" panose="020B0604020202020204" pitchFamily="34" charset="0"/>
+              </a:rPr>
+              <a:t>autoexplicativo</a:t>
+            </a:r>
+            <a:r>
+              <a:rPr lang="es-AR" sz="1600" dirty="0">
+                <a:latin typeface="Arial" panose="020B0604020202020204" pitchFamily="34" charset="0"/>
+                <a:cs typeface="Arial" panose="020B0604020202020204" pitchFamily="34" charset="0"/>
+              </a:rPr>
+              <a:t> </a:t>
+            </a:r>
+            <a:r>
+              <a:rPr lang="es-AR" sz="1600" dirty="0" smtClean="0">
+                <a:latin typeface="Arial" panose="020B0604020202020204" pitchFamily="34" charset="0"/>
+                <a:cs typeface="Arial" panose="020B0604020202020204" pitchFamily="34" charset="0"/>
+              </a:rPr>
+              <a:t>y ‘</a:t>
+            </a:r>
+            <a:r>
+              <a:rPr lang="es-AR" sz="1600" dirty="0" err="1" smtClean="0">
+                <a:latin typeface="Arial" panose="020B0604020202020204" pitchFamily="34" charset="0"/>
+                <a:cs typeface="Arial" panose="020B0604020202020204" pitchFamily="34" charset="0"/>
+              </a:rPr>
+              <a:t>aplicar_a_monto_fijo</a:t>
+            </a:r>
+            <a:r>
+              <a:rPr lang="es-AR" sz="1600" dirty="0" smtClean="0">
+                <a:latin typeface="Arial" panose="020B0604020202020204" pitchFamily="34" charset="0"/>
+                <a:cs typeface="Arial" panose="020B0604020202020204" pitchFamily="34" charset="0"/>
+              </a:rPr>
+              <a:t>’, un booleano expresado como 0 y 1 que refleja si se debe aplicar el aumento a los montos fijos que paga cada tratamiento.</a:t>
             </a:r>
           </a:p>
         </p:txBody>
@@ -3880,19 +4397,36 @@
                 <a:latin typeface="Arial" panose="020B0604020202020204" pitchFamily="34" charset="0"/>
                 <a:cs typeface="Arial" panose="020B0604020202020204" pitchFamily="34" charset="0"/>
               </a:rPr>
-              <a:t>Link a archivo de creación de </a:t>
-            </a:r>
+              <a:t>Link a archivo </a:t>
+            </a:r>
+            <a:r>
+              <a:rPr lang="es-AR" dirty="0" smtClean="0">
+                <a:latin typeface="Arial" panose="020B0604020202020204" pitchFamily="34" charset="0"/>
+                <a:cs typeface="Arial" panose="020B0604020202020204" pitchFamily="34" charset="0"/>
+              </a:rPr>
+              <a:t>.</a:t>
+            </a:r>
+            <a:r>
+              <a:rPr lang="es-AR" dirty="0" err="1" smtClean="0">
+                <a:latin typeface="Arial" panose="020B0604020202020204" pitchFamily="34" charset="0"/>
+                <a:cs typeface="Arial" panose="020B0604020202020204" pitchFamily="34" charset="0"/>
+              </a:rPr>
+              <a:t>sql</a:t>
+            </a:r>
+            <a:r>
+              <a:rPr lang="es-AR" dirty="0" smtClean="0">
+                <a:latin typeface="Arial" panose="020B0604020202020204" pitchFamily="34" charset="0"/>
+                <a:cs typeface="Arial" panose="020B0604020202020204" pitchFamily="34" charset="0"/>
+              </a:rPr>
+              <a:t>:</a:t>
+            </a:r>
+          </a:p>
+          <a:p>
+            <a:pPr algn="ctr"/>
             <a:r>
               <a:rPr lang="es-AR" dirty="0">
                 <a:latin typeface="Arial" panose="020B0604020202020204" pitchFamily="34" charset="0"/>
                 <a:cs typeface="Arial" panose="020B0604020202020204" pitchFamily="34" charset="0"/>
-              </a:rPr>
-              <a:t>tablas: </a:t>
-            </a:r>
-            <a:r>
-              <a:rPr lang="es-AR" dirty="0">
-                <a:latin typeface="Arial" panose="020B0604020202020204" pitchFamily="34" charset="0"/>
-                <a:cs typeface="Arial" panose="020B0604020202020204" pitchFamily="34" charset="0"/>
                 <a:hlinkClick r:id="rId3"/>
               </a:rPr>
               <a:t>https://</a:t>
@@ -3903,14 +4437,7 @@
                 <a:cs typeface="Arial" panose="020B0604020202020204" pitchFamily="34" charset="0"/>
                 <a:hlinkClick r:id="rId3"/>
               </a:rPr>
-              <a:t>github.com/lbenav90/fymdentalSQL/blob/5ee64ada0ccdddd5318eff81c8e3f39d8f06e7d6/creacion.sql</a:t>
-            </a:r>
-            <a:r>
-              <a:rPr lang="es-AR" dirty="0" smtClean="0">
-                <a:latin typeface="Arial" panose="020B0604020202020204" pitchFamily="34" charset="0"/>
-                <a:cs typeface="Arial" panose="020B0604020202020204" pitchFamily="34" charset="0"/>
-              </a:rPr>
-              <a:t> </a:t>
+              <a:t>github.com/lbenav90/fymdentalSQL/blob/ac464f341bdef3450f2acb8ecc745e6df3cb82cc/fymdental.sql</a:t>
             </a:r>
             <a:endParaRPr lang="es-AR" dirty="0" smtClean="0">
               <a:latin typeface="Arial" panose="020B0604020202020204" pitchFamily="34" charset="0"/>
@@ -3923,6 +4450,1936 @@
     <p:extLst>
       <p:ext uri="{BB962C8B-B14F-4D97-AF65-F5344CB8AC3E}">
         <p14:creationId xmlns:p14="http://schemas.microsoft.com/office/powerpoint/2010/main" val="3560220004"/>
+      </p:ext>
+    </p:extLst>
+  </p:cSld>
+  <p:clrMapOvr>
+    <a:masterClrMapping/>
+  </p:clrMapOvr>
+</p:sld>
+</file>
+
+<file path=ppt/slides/slide5.xml><?xml version="1.0" encoding="utf-8"?>
+<p:sld xmlns:a="http://schemas.openxmlformats.org/drawingml/2006/main" xmlns:r="http://schemas.openxmlformats.org/officeDocument/2006/relationships" xmlns:p="http://schemas.openxmlformats.org/presentationml/2006/main">
+  <p:cSld>
+    <p:spTree>
+      <p:nvGrpSpPr>
+        <p:cNvPr id="1" name=""/>
+        <p:cNvGrpSpPr/>
+        <p:nvPr/>
+      </p:nvGrpSpPr>
+      <p:grpSpPr>
+        <a:xfrm>
+          <a:off x="0" y="0"/>
+          <a:ext cx="0" cy="0"/>
+          <a:chOff x="0" y="0"/>
+          <a:chExt cx="0" cy="0"/>
+        </a:xfrm>
+      </p:grpSpPr>
+      <p:pic>
+        <p:nvPicPr>
+          <p:cNvPr id="1026" name="Picture 2" descr="Club Movistar | Beneficios y descuentos | Coderhouse - 20% extra en cursos  y carreras del Plan Coder Beca"/>
+          <p:cNvPicPr>
+            <a:picLocks noChangeAspect="1" noChangeArrowheads="1"/>
+          </p:cNvPicPr>
+          <p:nvPr/>
+        </p:nvPicPr>
+        <p:blipFill rotWithShape="1">
+          <a:blip r:embed="rId2">
+            <a:extLst>
+              <a:ext uri="{28A0092B-C50C-407E-A947-70E740481C1C}">
+                <a14:useLocalDpi xmlns:a14="http://schemas.microsoft.com/office/drawing/2010/main" val="0"/>
+              </a:ext>
+            </a:extLst>
+          </a:blip>
+          <a:srcRect l="9683" t="37420" r="7509" b="39070"/>
+          <a:stretch/>
+        </p:blipFill>
+        <p:spPr bwMode="auto">
+          <a:xfrm>
+            <a:off x="4319451" y="608835"/>
+            <a:ext cx="3500846" cy="993931"/>
+          </a:xfrm>
+          <a:prstGeom prst="rect">
+            <a:avLst/>
+          </a:prstGeom>
+          <a:noFill/>
+          <a:extLst>
+            <a:ext uri="{909E8E84-426E-40DD-AFC4-6F175D3DCCD1}">
+              <a14:hiddenFill xmlns:a14="http://schemas.microsoft.com/office/drawing/2010/main">
+                <a:solidFill>
+                  <a:srgbClr val="FFFFFF"/>
+                </a:solidFill>
+              </a14:hiddenFill>
+            </a:ext>
+          </a:extLst>
+        </p:spPr>
+      </p:pic>
+      <p:sp>
+        <p:nvSpPr>
+          <p:cNvPr id="2" name="CuadroTexto 1"/>
+          <p:cNvSpPr txBox="1"/>
+          <p:nvPr/>
+        </p:nvSpPr>
+        <p:spPr>
+          <a:xfrm>
+            <a:off x="505097" y="2203269"/>
+            <a:ext cx="9927718" cy="461665"/>
+          </a:xfrm>
+          <a:prstGeom prst="rect">
+            <a:avLst/>
+          </a:prstGeom>
+          <a:noFill/>
+        </p:spPr>
+        <p:txBody>
+          <a:bodyPr wrap="none" rtlCol="0">
+            <a:spAutoFit/>
+          </a:bodyPr>
+          <a:lstStyle/>
+          <a:p>
+            <a:r>
+              <a:rPr lang="es-AR" sz="2400" u="sng" dirty="0" smtClean="0">
+                <a:latin typeface="Arial" panose="020B0604020202020204" pitchFamily="34" charset="0"/>
+                <a:cs typeface="Arial" panose="020B0604020202020204" pitchFamily="34" charset="0"/>
+              </a:rPr>
+              <a:t>Gestión de clínica odontológica </a:t>
+            </a:r>
+            <a:r>
+              <a:rPr lang="es-AR" sz="2400" u="sng" dirty="0" smtClean="0">
+                <a:latin typeface="Arial" panose="020B0604020202020204" pitchFamily="34" charset="0"/>
+                <a:cs typeface="Arial" panose="020B0604020202020204" pitchFamily="34" charset="0"/>
+              </a:rPr>
+              <a:t>pequeña – Objetos de la base de datos</a:t>
+            </a:r>
+            <a:endParaRPr lang="es-AR" sz="2400" u="sng" dirty="0">
+              <a:latin typeface="Arial" panose="020B0604020202020204" pitchFamily="34" charset="0"/>
+              <a:cs typeface="Arial" panose="020B0604020202020204" pitchFamily="34" charset="0"/>
+            </a:endParaRPr>
+          </a:p>
+        </p:txBody>
+      </p:sp>
+      <p:sp>
+        <p:nvSpPr>
+          <p:cNvPr id="5" name="CuadroTexto 4"/>
+          <p:cNvSpPr txBox="1"/>
+          <p:nvPr/>
+        </p:nvSpPr>
+        <p:spPr>
+          <a:xfrm>
+            <a:off x="3361509" y="2664934"/>
+            <a:ext cx="184731" cy="369332"/>
+          </a:xfrm>
+          <a:prstGeom prst="rect">
+            <a:avLst/>
+          </a:prstGeom>
+          <a:noFill/>
+        </p:spPr>
+        <p:txBody>
+          <a:bodyPr wrap="none" rtlCol="0">
+            <a:spAutoFit/>
+          </a:bodyPr>
+          <a:lstStyle/>
+          <a:p>
+            <a:endParaRPr lang="es-AR" dirty="0"/>
+          </a:p>
+        </p:txBody>
+      </p:sp>
+      <p:sp>
+        <p:nvSpPr>
+          <p:cNvPr id="6" name="CuadroTexto 5"/>
+          <p:cNvSpPr txBox="1"/>
+          <p:nvPr/>
+        </p:nvSpPr>
+        <p:spPr>
+          <a:xfrm>
+            <a:off x="261257" y="2934511"/>
+            <a:ext cx="11817531" cy="2616101"/>
+          </a:xfrm>
+          <a:prstGeom prst="rect">
+            <a:avLst/>
+          </a:prstGeom>
+          <a:noFill/>
+        </p:spPr>
+        <p:txBody>
+          <a:bodyPr wrap="square" rtlCol="0">
+            <a:spAutoFit/>
+          </a:bodyPr>
+          <a:lstStyle/>
+          <a:p>
+            <a:r>
+              <a:rPr lang="es-AR" dirty="0" err="1" smtClean="0">
+                <a:latin typeface="Arial" panose="020B0604020202020204" pitchFamily="34" charset="0"/>
+                <a:cs typeface="Arial" panose="020B0604020202020204" pitchFamily="34" charset="0"/>
+              </a:rPr>
+              <a:t>Triggers</a:t>
+            </a:r>
+            <a:r>
+              <a:rPr lang="es-AR" dirty="0" smtClean="0">
+                <a:latin typeface="Arial" panose="020B0604020202020204" pitchFamily="34" charset="0"/>
+                <a:cs typeface="Arial" panose="020B0604020202020204" pitchFamily="34" charset="0"/>
+              </a:rPr>
+              <a:t>:</a:t>
+            </a:r>
+            <a:endParaRPr lang="es-AR" dirty="0" smtClean="0">
+              <a:latin typeface="Arial" panose="020B0604020202020204" pitchFamily="34" charset="0"/>
+              <a:cs typeface="Arial" panose="020B0604020202020204" pitchFamily="34" charset="0"/>
+            </a:endParaRPr>
+          </a:p>
+          <a:p>
+            <a:endParaRPr lang="es-AR" dirty="0" smtClean="0">
+              <a:latin typeface="Arial" panose="020B0604020202020204" pitchFamily="34" charset="0"/>
+              <a:cs typeface="Arial" panose="020B0604020202020204" pitchFamily="34" charset="0"/>
+            </a:endParaRPr>
+          </a:p>
+          <a:p>
+            <a:pPr marL="285750" indent="-285750">
+              <a:buFont typeface="Arial" panose="020B0604020202020204" pitchFamily="34" charset="0"/>
+              <a:buChar char="•"/>
+            </a:pPr>
+            <a:r>
+              <a:rPr lang="es-AR" sz="1600" dirty="0" smtClean="0">
+                <a:latin typeface="Arial" panose="020B0604020202020204" pitchFamily="34" charset="0"/>
+                <a:cs typeface="Arial" panose="020B0604020202020204" pitchFamily="34" charset="0"/>
+              </a:rPr>
+              <a:t>Generación de </a:t>
+            </a:r>
+            <a:r>
+              <a:rPr lang="es-AR" sz="1600" dirty="0" err="1" smtClean="0">
+                <a:latin typeface="Arial" panose="020B0604020202020204" pitchFamily="34" charset="0"/>
+                <a:cs typeface="Arial" panose="020B0604020202020204" pitchFamily="34" charset="0"/>
+              </a:rPr>
+              <a:t>logs</a:t>
+            </a:r>
+            <a:r>
+              <a:rPr lang="es-AR" sz="1600" dirty="0" smtClean="0">
+                <a:latin typeface="Arial" panose="020B0604020202020204" pitchFamily="34" charset="0"/>
+                <a:cs typeface="Arial" panose="020B0604020202020204" pitchFamily="34" charset="0"/>
+              </a:rPr>
+              <a:t>: Existen 4 </a:t>
+            </a:r>
+            <a:r>
+              <a:rPr lang="es-AR" sz="1600" dirty="0" err="1" smtClean="0">
+                <a:latin typeface="Arial" panose="020B0604020202020204" pitchFamily="34" charset="0"/>
+                <a:cs typeface="Arial" panose="020B0604020202020204" pitchFamily="34" charset="0"/>
+              </a:rPr>
+              <a:t>triggers</a:t>
+            </a:r>
+            <a:r>
+              <a:rPr lang="es-AR" sz="1600" dirty="0" smtClean="0">
+                <a:latin typeface="Arial" panose="020B0604020202020204" pitchFamily="34" charset="0"/>
+                <a:cs typeface="Arial" panose="020B0604020202020204" pitchFamily="34" charset="0"/>
+              </a:rPr>
+              <a:t> para generación de </a:t>
+            </a:r>
+            <a:r>
+              <a:rPr lang="es-AR" sz="1600" dirty="0" err="1" smtClean="0">
+                <a:latin typeface="Arial" panose="020B0604020202020204" pitchFamily="34" charset="0"/>
+                <a:cs typeface="Arial" panose="020B0604020202020204" pitchFamily="34" charset="0"/>
+              </a:rPr>
+              <a:t>logs</a:t>
+            </a:r>
+            <a:r>
+              <a:rPr lang="es-AR" sz="1600" dirty="0" smtClean="0">
+                <a:latin typeface="Arial" panose="020B0604020202020204" pitchFamily="34" charset="0"/>
+                <a:cs typeface="Arial" panose="020B0604020202020204" pitchFamily="34" charset="0"/>
+              </a:rPr>
+              <a:t> en las tablas </a:t>
+            </a:r>
+            <a:r>
+              <a:rPr lang="es-AR" sz="1600" dirty="0" err="1" smtClean="0">
+                <a:latin typeface="Arial" panose="020B0604020202020204" pitchFamily="34" charset="0"/>
+                <a:cs typeface="Arial" panose="020B0604020202020204" pitchFamily="34" charset="0"/>
+              </a:rPr>
+              <a:t>log_pagos</a:t>
+            </a:r>
+            <a:r>
+              <a:rPr lang="es-AR" sz="1600" dirty="0" smtClean="0">
+                <a:latin typeface="Arial" panose="020B0604020202020204" pitchFamily="34" charset="0"/>
+                <a:cs typeface="Arial" panose="020B0604020202020204" pitchFamily="34" charset="0"/>
+              </a:rPr>
+              <a:t> y </a:t>
+            </a:r>
+            <a:r>
+              <a:rPr lang="es-AR" sz="1600" dirty="0" err="1" smtClean="0">
+                <a:latin typeface="Arial" panose="020B0604020202020204" pitchFamily="34" charset="0"/>
+                <a:cs typeface="Arial" panose="020B0604020202020204" pitchFamily="34" charset="0"/>
+              </a:rPr>
+              <a:t>log_evoluciones</a:t>
+            </a:r>
+            <a:r>
+              <a:rPr lang="es-AR" sz="1600" dirty="0" smtClean="0">
+                <a:latin typeface="Arial" panose="020B0604020202020204" pitchFamily="34" charset="0"/>
+                <a:cs typeface="Arial" panose="020B0604020202020204" pitchFamily="34" charset="0"/>
+              </a:rPr>
+              <a:t>, dos sobre la tabla pagos y dos sobre la tabla evoluciones. Cada par de </a:t>
+            </a:r>
+            <a:r>
+              <a:rPr lang="es-AR" sz="1600" dirty="0" err="1" smtClean="0">
+                <a:latin typeface="Arial" panose="020B0604020202020204" pitchFamily="34" charset="0"/>
+                <a:cs typeface="Arial" panose="020B0604020202020204" pitchFamily="34" charset="0"/>
+              </a:rPr>
+              <a:t>triggers</a:t>
+            </a:r>
+            <a:r>
+              <a:rPr lang="es-AR" sz="1600" dirty="0" smtClean="0">
+                <a:latin typeface="Arial" panose="020B0604020202020204" pitchFamily="34" charset="0"/>
+                <a:cs typeface="Arial" panose="020B0604020202020204" pitchFamily="34" charset="0"/>
+              </a:rPr>
+              <a:t> son AFTER INSERT y AFTER UPDATE y generan </a:t>
+            </a:r>
+            <a:r>
+              <a:rPr lang="es-AR" sz="1600" dirty="0" err="1" smtClean="0">
+                <a:latin typeface="Arial" panose="020B0604020202020204" pitchFamily="34" charset="0"/>
+                <a:cs typeface="Arial" panose="020B0604020202020204" pitchFamily="34" charset="0"/>
+              </a:rPr>
+              <a:t>logs</a:t>
+            </a:r>
+            <a:r>
+              <a:rPr lang="es-AR" sz="1600" dirty="0" smtClean="0">
+                <a:latin typeface="Arial" panose="020B0604020202020204" pitchFamily="34" charset="0"/>
+                <a:cs typeface="Arial" panose="020B0604020202020204" pitchFamily="34" charset="0"/>
+              </a:rPr>
+              <a:t> del evento y en el caso de UPDATE también copian los datos viejos y nuevos en la tabla </a:t>
+            </a:r>
+            <a:r>
+              <a:rPr lang="es-AR" sz="1600" dirty="0" err="1" smtClean="0">
+                <a:latin typeface="Arial" panose="020B0604020202020204" pitchFamily="34" charset="0"/>
+                <a:cs typeface="Arial" panose="020B0604020202020204" pitchFamily="34" charset="0"/>
+              </a:rPr>
+              <a:t>pagos_audit</a:t>
+            </a:r>
+            <a:r>
+              <a:rPr lang="es-AR" sz="1600" dirty="0" smtClean="0">
+                <a:latin typeface="Arial" panose="020B0604020202020204" pitchFamily="34" charset="0"/>
+                <a:cs typeface="Arial" panose="020B0604020202020204" pitchFamily="34" charset="0"/>
+              </a:rPr>
+              <a:t> o </a:t>
+            </a:r>
+            <a:r>
+              <a:rPr lang="es-AR" sz="1600" dirty="0" err="1" smtClean="0">
+                <a:latin typeface="Arial" panose="020B0604020202020204" pitchFamily="34" charset="0"/>
+                <a:cs typeface="Arial" panose="020B0604020202020204" pitchFamily="34" charset="0"/>
+              </a:rPr>
+              <a:t>evoluciones_audit</a:t>
+            </a:r>
+            <a:r>
+              <a:rPr lang="es-AR" sz="1600" dirty="0" smtClean="0">
+                <a:latin typeface="Arial" panose="020B0604020202020204" pitchFamily="34" charset="0"/>
+                <a:cs typeface="Arial" panose="020B0604020202020204" pitchFamily="34" charset="0"/>
+              </a:rPr>
+              <a:t>.</a:t>
+            </a:r>
+          </a:p>
+          <a:p>
+            <a:pPr marL="285750" indent="-285750">
+              <a:buFont typeface="Arial" panose="020B0604020202020204" pitchFamily="34" charset="0"/>
+              <a:buChar char="•"/>
+            </a:pPr>
+            <a:endParaRPr lang="es-AR" sz="1600" dirty="0">
+              <a:latin typeface="Arial" panose="020B0604020202020204" pitchFamily="34" charset="0"/>
+              <a:cs typeface="Arial" panose="020B0604020202020204" pitchFamily="34" charset="0"/>
+            </a:endParaRPr>
+          </a:p>
+          <a:p>
+            <a:pPr marL="285750" indent="-285750">
+              <a:buFont typeface="Arial" panose="020B0604020202020204" pitchFamily="34" charset="0"/>
+              <a:buChar char="•"/>
+            </a:pPr>
+            <a:r>
+              <a:rPr lang="es-AR" sz="1600" dirty="0" err="1" smtClean="0">
+                <a:latin typeface="Arial" panose="020B0604020202020204" pitchFamily="34" charset="0"/>
+                <a:cs typeface="Arial" panose="020B0604020202020204" pitchFamily="34" charset="0"/>
+              </a:rPr>
+              <a:t>new_lab_work</a:t>
+            </a:r>
+            <a:r>
+              <a:rPr lang="es-AR" sz="1600" dirty="0" smtClean="0">
+                <a:latin typeface="Arial" panose="020B0604020202020204" pitchFamily="34" charset="0"/>
+                <a:cs typeface="Arial" panose="020B0604020202020204" pitchFamily="34" charset="0"/>
+              </a:rPr>
+              <a:t>: Frente a un INSERT en la tabla evoluciones, se dispara un BEFORE que chequea si el tratamiento que se ingresa necesita un trabajo se laboratorio. Si es así, lo crea en su correspondiente tabla y modifica la nueva fila para registrar este trabajo</a:t>
+            </a:r>
+          </a:p>
+          <a:p>
+            <a:pPr marL="285750" indent="-285750">
+              <a:buFont typeface="Arial" panose="020B0604020202020204" pitchFamily="34" charset="0"/>
+              <a:buChar char="•"/>
+            </a:pPr>
+            <a:endParaRPr lang="es-AR" sz="1600" dirty="0">
+              <a:latin typeface="Arial" panose="020B0604020202020204" pitchFamily="34" charset="0"/>
+              <a:cs typeface="Arial" panose="020B0604020202020204" pitchFamily="34" charset="0"/>
+            </a:endParaRPr>
+          </a:p>
+        </p:txBody>
+      </p:sp>
+      <p:sp>
+        <p:nvSpPr>
+          <p:cNvPr id="7" name="CuadroTexto 6"/>
+          <p:cNvSpPr txBox="1"/>
+          <p:nvPr/>
+        </p:nvSpPr>
+        <p:spPr>
+          <a:xfrm>
+            <a:off x="261257" y="6066410"/>
+            <a:ext cx="11930743" cy="646331"/>
+          </a:xfrm>
+          <a:prstGeom prst="rect">
+            <a:avLst/>
+          </a:prstGeom>
+          <a:noFill/>
+        </p:spPr>
+        <p:txBody>
+          <a:bodyPr wrap="square" rtlCol="0">
+            <a:spAutoFit/>
+          </a:bodyPr>
+          <a:lstStyle/>
+          <a:p>
+            <a:pPr algn="ctr"/>
+            <a:r>
+              <a:rPr lang="es-AR" dirty="0" smtClean="0">
+                <a:latin typeface="Arial" panose="020B0604020202020204" pitchFamily="34" charset="0"/>
+                <a:cs typeface="Arial" panose="020B0604020202020204" pitchFamily="34" charset="0"/>
+              </a:rPr>
+              <a:t>Link a archivo </a:t>
+            </a:r>
+            <a:r>
+              <a:rPr lang="es-AR" dirty="0" smtClean="0">
+                <a:latin typeface="Arial" panose="020B0604020202020204" pitchFamily="34" charset="0"/>
+                <a:cs typeface="Arial" panose="020B0604020202020204" pitchFamily="34" charset="0"/>
+              </a:rPr>
+              <a:t>.</a:t>
+            </a:r>
+            <a:r>
+              <a:rPr lang="es-AR" dirty="0" err="1" smtClean="0">
+                <a:latin typeface="Arial" panose="020B0604020202020204" pitchFamily="34" charset="0"/>
+                <a:cs typeface="Arial" panose="020B0604020202020204" pitchFamily="34" charset="0"/>
+              </a:rPr>
+              <a:t>sql</a:t>
+            </a:r>
+            <a:r>
+              <a:rPr lang="es-AR" dirty="0" smtClean="0">
+                <a:latin typeface="Arial" panose="020B0604020202020204" pitchFamily="34" charset="0"/>
+                <a:cs typeface="Arial" panose="020B0604020202020204" pitchFamily="34" charset="0"/>
+              </a:rPr>
+              <a:t>:</a:t>
+            </a:r>
+          </a:p>
+          <a:p>
+            <a:pPr algn="ctr"/>
+            <a:r>
+              <a:rPr lang="es-AR" dirty="0">
+                <a:latin typeface="Arial" panose="020B0604020202020204" pitchFamily="34" charset="0"/>
+                <a:cs typeface="Arial" panose="020B0604020202020204" pitchFamily="34" charset="0"/>
+                <a:hlinkClick r:id="rId3"/>
+              </a:rPr>
+              <a:t>https://</a:t>
+            </a:r>
+            <a:r>
+              <a:rPr lang="es-AR" dirty="0" smtClean="0">
+                <a:latin typeface="Arial" panose="020B0604020202020204" pitchFamily="34" charset="0"/>
+                <a:cs typeface="Arial" panose="020B0604020202020204" pitchFamily="34" charset="0"/>
+                <a:hlinkClick r:id="rId3"/>
+              </a:rPr>
+              <a:t>github.com/lbenav90/fymdentalSQL/blob/ac464f341bdef3450f2acb8ecc745e6df3cb82cc/fymdental.sql</a:t>
+            </a:r>
+            <a:endParaRPr lang="es-AR" dirty="0" smtClean="0">
+              <a:latin typeface="Arial" panose="020B0604020202020204" pitchFamily="34" charset="0"/>
+              <a:cs typeface="Arial" panose="020B0604020202020204" pitchFamily="34" charset="0"/>
+            </a:endParaRPr>
+          </a:p>
+        </p:txBody>
+      </p:sp>
+    </p:spTree>
+    <p:extLst>
+      <p:ext uri="{BB962C8B-B14F-4D97-AF65-F5344CB8AC3E}">
+        <p14:creationId xmlns:p14="http://schemas.microsoft.com/office/powerpoint/2010/main" val="2457348956"/>
+      </p:ext>
+    </p:extLst>
+  </p:cSld>
+  <p:clrMapOvr>
+    <a:masterClrMapping/>
+  </p:clrMapOvr>
+</p:sld>
+</file>
+
+<file path=ppt/slides/slide6.xml><?xml version="1.0" encoding="utf-8"?>
+<p:sld xmlns:a="http://schemas.openxmlformats.org/drawingml/2006/main" xmlns:r="http://schemas.openxmlformats.org/officeDocument/2006/relationships" xmlns:p="http://schemas.openxmlformats.org/presentationml/2006/main">
+  <p:cSld>
+    <p:spTree>
+      <p:nvGrpSpPr>
+        <p:cNvPr id="1" name=""/>
+        <p:cNvGrpSpPr/>
+        <p:nvPr/>
+      </p:nvGrpSpPr>
+      <p:grpSpPr>
+        <a:xfrm>
+          <a:off x="0" y="0"/>
+          <a:ext cx="0" cy="0"/>
+          <a:chOff x="0" y="0"/>
+          <a:chExt cx="0" cy="0"/>
+        </a:xfrm>
+      </p:grpSpPr>
+      <p:pic>
+        <p:nvPicPr>
+          <p:cNvPr id="1026" name="Picture 2" descr="Club Movistar | Beneficios y descuentos | Coderhouse - 20% extra en cursos  y carreras del Plan Coder Beca"/>
+          <p:cNvPicPr>
+            <a:picLocks noChangeAspect="1" noChangeArrowheads="1"/>
+          </p:cNvPicPr>
+          <p:nvPr/>
+        </p:nvPicPr>
+        <p:blipFill rotWithShape="1">
+          <a:blip r:embed="rId2">
+            <a:extLst>
+              <a:ext uri="{28A0092B-C50C-407E-A947-70E740481C1C}">
+                <a14:useLocalDpi xmlns:a14="http://schemas.microsoft.com/office/drawing/2010/main" val="0"/>
+              </a:ext>
+            </a:extLst>
+          </a:blip>
+          <a:srcRect l="9683" t="37420" r="7509" b="39070"/>
+          <a:stretch/>
+        </p:blipFill>
+        <p:spPr bwMode="auto">
+          <a:xfrm>
+            <a:off x="4319451" y="608835"/>
+            <a:ext cx="3500846" cy="993931"/>
+          </a:xfrm>
+          <a:prstGeom prst="rect">
+            <a:avLst/>
+          </a:prstGeom>
+          <a:noFill/>
+          <a:extLst>
+            <a:ext uri="{909E8E84-426E-40DD-AFC4-6F175D3DCCD1}">
+              <a14:hiddenFill xmlns:a14="http://schemas.microsoft.com/office/drawing/2010/main">
+                <a:solidFill>
+                  <a:srgbClr val="FFFFFF"/>
+                </a:solidFill>
+              </a14:hiddenFill>
+            </a:ext>
+          </a:extLst>
+        </p:spPr>
+      </p:pic>
+      <p:sp>
+        <p:nvSpPr>
+          <p:cNvPr id="2" name="CuadroTexto 1"/>
+          <p:cNvSpPr txBox="1"/>
+          <p:nvPr/>
+        </p:nvSpPr>
+        <p:spPr>
+          <a:xfrm>
+            <a:off x="505097" y="2203269"/>
+            <a:ext cx="9927718" cy="461665"/>
+          </a:xfrm>
+          <a:prstGeom prst="rect">
+            <a:avLst/>
+          </a:prstGeom>
+          <a:noFill/>
+        </p:spPr>
+        <p:txBody>
+          <a:bodyPr wrap="none" rtlCol="0">
+            <a:spAutoFit/>
+          </a:bodyPr>
+          <a:lstStyle/>
+          <a:p>
+            <a:r>
+              <a:rPr lang="es-AR" sz="2400" u="sng" dirty="0" smtClean="0">
+                <a:latin typeface="Arial" panose="020B0604020202020204" pitchFamily="34" charset="0"/>
+                <a:cs typeface="Arial" panose="020B0604020202020204" pitchFamily="34" charset="0"/>
+              </a:rPr>
+              <a:t>Gestión de clínica odontológica </a:t>
+            </a:r>
+            <a:r>
+              <a:rPr lang="es-AR" sz="2400" u="sng" dirty="0" smtClean="0">
+                <a:latin typeface="Arial" panose="020B0604020202020204" pitchFamily="34" charset="0"/>
+                <a:cs typeface="Arial" panose="020B0604020202020204" pitchFamily="34" charset="0"/>
+              </a:rPr>
+              <a:t>pequeña – Objetos de la base de datos</a:t>
+            </a:r>
+            <a:endParaRPr lang="es-AR" sz="2400" u="sng" dirty="0">
+              <a:latin typeface="Arial" panose="020B0604020202020204" pitchFamily="34" charset="0"/>
+              <a:cs typeface="Arial" panose="020B0604020202020204" pitchFamily="34" charset="0"/>
+            </a:endParaRPr>
+          </a:p>
+        </p:txBody>
+      </p:sp>
+      <p:sp>
+        <p:nvSpPr>
+          <p:cNvPr id="5" name="CuadroTexto 4"/>
+          <p:cNvSpPr txBox="1"/>
+          <p:nvPr/>
+        </p:nvSpPr>
+        <p:spPr>
+          <a:xfrm>
+            <a:off x="3361509" y="2664934"/>
+            <a:ext cx="184731" cy="369332"/>
+          </a:xfrm>
+          <a:prstGeom prst="rect">
+            <a:avLst/>
+          </a:prstGeom>
+          <a:noFill/>
+        </p:spPr>
+        <p:txBody>
+          <a:bodyPr wrap="none" rtlCol="0">
+            <a:spAutoFit/>
+          </a:bodyPr>
+          <a:lstStyle/>
+          <a:p>
+            <a:endParaRPr lang="es-AR" dirty="0"/>
+          </a:p>
+        </p:txBody>
+      </p:sp>
+      <p:sp>
+        <p:nvSpPr>
+          <p:cNvPr id="6" name="CuadroTexto 5"/>
+          <p:cNvSpPr txBox="1"/>
+          <p:nvPr/>
+        </p:nvSpPr>
+        <p:spPr>
+          <a:xfrm>
+            <a:off x="261257" y="2934511"/>
+            <a:ext cx="11817531" cy="2616101"/>
+          </a:xfrm>
+          <a:prstGeom prst="rect">
+            <a:avLst/>
+          </a:prstGeom>
+          <a:noFill/>
+        </p:spPr>
+        <p:txBody>
+          <a:bodyPr wrap="square" rtlCol="0">
+            <a:spAutoFit/>
+          </a:bodyPr>
+          <a:lstStyle/>
+          <a:p>
+            <a:r>
+              <a:rPr lang="es-AR" dirty="0" err="1" smtClean="0">
+                <a:latin typeface="Arial" panose="020B0604020202020204" pitchFamily="34" charset="0"/>
+                <a:cs typeface="Arial" panose="020B0604020202020204" pitchFamily="34" charset="0"/>
+              </a:rPr>
+              <a:t>Triggers</a:t>
+            </a:r>
+            <a:r>
+              <a:rPr lang="es-AR" dirty="0" smtClean="0">
+                <a:latin typeface="Arial" panose="020B0604020202020204" pitchFamily="34" charset="0"/>
+                <a:cs typeface="Arial" panose="020B0604020202020204" pitchFamily="34" charset="0"/>
+              </a:rPr>
+              <a:t>:</a:t>
+            </a:r>
+            <a:endParaRPr lang="es-AR" dirty="0" smtClean="0">
+              <a:latin typeface="Arial" panose="020B0604020202020204" pitchFamily="34" charset="0"/>
+              <a:cs typeface="Arial" panose="020B0604020202020204" pitchFamily="34" charset="0"/>
+            </a:endParaRPr>
+          </a:p>
+          <a:p>
+            <a:endParaRPr lang="es-AR" dirty="0" smtClean="0">
+              <a:latin typeface="Arial" panose="020B0604020202020204" pitchFamily="34" charset="0"/>
+              <a:cs typeface="Arial" panose="020B0604020202020204" pitchFamily="34" charset="0"/>
+            </a:endParaRPr>
+          </a:p>
+          <a:p>
+            <a:pPr marL="285750" indent="-285750">
+              <a:buFont typeface="Arial" panose="020B0604020202020204" pitchFamily="34" charset="0"/>
+              <a:buChar char="•"/>
+            </a:pPr>
+            <a:r>
+              <a:rPr lang="es-AR" sz="1600" dirty="0">
+                <a:latin typeface="Arial" panose="020B0604020202020204" pitchFamily="34" charset="0"/>
+                <a:cs typeface="Arial" panose="020B0604020202020204" pitchFamily="34" charset="0"/>
+              </a:rPr>
+              <a:t>Validación de datos: Hay 10 </a:t>
+            </a:r>
+            <a:r>
+              <a:rPr lang="es-AR" sz="1600" dirty="0" err="1">
+                <a:latin typeface="Arial" panose="020B0604020202020204" pitchFamily="34" charset="0"/>
+                <a:cs typeface="Arial" panose="020B0604020202020204" pitchFamily="34" charset="0"/>
+              </a:rPr>
+              <a:t>triggers</a:t>
+            </a:r>
+            <a:r>
+              <a:rPr lang="es-AR" sz="1600" dirty="0">
+                <a:latin typeface="Arial" panose="020B0604020202020204" pitchFamily="34" charset="0"/>
+                <a:cs typeface="Arial" panose="020B0604020202020204" pitchFamily="34" charset="0"/>
+              </a:rPr>
+              <a:t> aplicados sobre 5 tablas (pacientes, empleados, </a:t>
+            </a:r>
+            <a:r>
+              <a:rPr lang="es-AR" sz="1600" dirty="0" err="1">
+                <a:latin typeface="Arial" panose="020B0604020202020204" pitchFamily="34" charset="0"/>
+                <a:cs typeface="Arial" panose="020B0604020202020204" pitchFamily="34" charset="0"/>
+              </a:rPr>
+              <a:t>tipo_de_empleado</a:t>
+            </a:r>
+            <a:r>
+              <a:rPr lang="es-AR" sz="1600" dirty="0">
+                <a:latin typeface="Arial" panose="020B0604020202020204" pitchFamily="34" charset="0"/>
+                <a:cs typeface="Arial" panose="020B0604020202020204" pitchFamily="34" charset="0"/>
+              </a:rPr>
+              <a:t>, turnos y laboratorios), las que necesitan validación. Cada tabla tiene un </a:t>
+            </a:r>
+            <a:r>
+              <a:rPr lang="es-AR" sz="1600" dirty="0" err="1">
+                <a:latin typeface="Arial" panose="020B0604020202020204" pitchFamily="34" charset="0"/>
+                <a:cs typeface="Arial" panose="020B0604020202020204" pitchFamily="34" charset="0"/>
+              </a:rPr>
+              <a:t>trigger</a:t>
+            </a:r>
+            <a:r>
+              <a:rPr lang="es-AR" sz="1600" dirty="0">
+                <a:latin typeface="Arial" panose="020B0604020202020204" pitchFamily="34" charset="0"/>
+                <a:cs typeface="Arial" panose="020B0604020202020204" pitchFamily="34" charset="0"/>
+              </a:rPr>
+              <a:t> BEFORE INSERT y BEFORE UPDATE limpiando </a:t>
+            </a:r>
+            <a:r>
+              <a:rPr lang="es-AR" sz="1600" dirty="0" err="1" smtClean="0">
+                <a:latin typeface="Arial" panose="020B0604020202020204" pitchFamily="34" charset="0"/>
+                <a:cs typeface="Arial" panose="020B0604020202020204" pitchFamily="34" charset="0"/>
+              </a:rPr>
+              <a:t>strings</a:t>
+            </a:r>
+            <a:r>
+              <a:rPr lang="es-AR" sz="1600" dirty="0" smtClean="0">
+                <a:latin typeface="Arial" panose="020B0604020202020204" pitchFamily="34" charset="0"/>
+                <a:cs typeface="Arial" panose="020B0604020202020204" pitchFamily="34" charset="0"/>
+              </a:rPr>
+              <a:t>, </a:t>
+            </a:r>
+            <a:r>
+              <a:rPr lang="es-AR" sz="1600" dirty="0">
+                <a:latin typeface="Arial" panose="020B0604020202020204" pitchFamily="34" charset="0"/>
+                <a:cs typeface="Arial" panose="020B0604020202020204" pitchFamily="34" charset="0"/>
+              </a:rPr>
+              <a:t>validando direcciones de </a:t>
+            </a:r>
+            <a:r>
+              <a:rPr lang="es-AR" sz="1600" dirty="0" smtClean="0">
+                <a:latin typeface="Arial" panose="020B0604020202020204" pitchFamily="34" charset="0"/>
+                <a:cs typeface="Arial" panose="020B0604020202020204" pitchFamily="34" charset="0"/>
+              </a:rPr>
+              <a:t>email y chequeando requerimientos complejos de columnas (como necesitar que al menos una de dos columnas no sea NULL).</a:t>
+            </a:r>
+          </a:p>
+          <a:p>
+            <a:pPr marL="285750" indent="-285750">
+              <a:buFont typeface="Arial" panose="020B0604020202020204" pitchFamily="34" charset="0"/>
+              <a:buChar char="•"/>
+            </a:pPr>
+            <a:endParaRPr lang="es-AR" sz="1600" dirty="0">
+              <a:latin typeface="Arial" panose="020B0604020202020204" pitchFamily="34" charset="0"/>
+              <a:cs typeface="Arial" panose="020B0604020202020204" pitchFamily="34" charset="0"/>
+            </a:endParaRPr>
+          </a:p>
+          <a:p>
+            <a:pPr marL="285750" indent="-285750">
+              <a:buFont typeface="Arial" panose="020B0604020202020204" pitchFamily="34" charset="0"/>
+              <a:buChar char="•"/>
+            </a:pPr>
+            <a:r>
+              <a:rPr lang="es-AR" sz="1600" dirty="0" err="1" smtClean="0">
+                <a:latin typeface="Arial" panose="020B0604020202020204" pitchFamily="34" charset="0"/>
+                <a:cs typeface="Arial" panose="020B0604020202020204" pitchFamily="34" charset="0"/>
+              </a:rPr>
+              <a:t>asignar_laboratorio</a:t>
+            </a:r>
+            <a:r>
+              <a:rPr lang="es-AR" sz="1600" dirty="0" smtClean="0">
+                <a:latin typeface="Arial" panose="020B0604020202020204" pitchFamily="34" charset="0"/>
+                <a:cs typeface="Arial" panose="020B0604020202020204" pitchFamily="34" charset="0"/>
+              </a:rPr>
+              <a:t>: Cuando se crea un trabajo de laboratorio automáticamente por el </a:t>
+            </a:r>
+            <a:r>
+              <a:rPr lang="es-AR" sz="1600" dirty="0" err="1" smtClean="0">
+                <a:latin typeface="Arial" panose="020B0604020202020204" pitchFamily="34" charset="0"/>
+                <a:cs typeface="Arial" panose="020B0604020202020204" pitchFamily="34" charset="0"/>
+              </a:rPr>
+              <a:t>trigger</a:t>
+            </a:r>
+            <a:r>
+              <a:rPr lang="es-AR" sz="1600" dirty="0" smtClean="0">
+                <a:latin typeface="Arial" panose="020B0604020202020204" pitchFamily="34" charset="0"/>
+                <a:cs typeface="Arial" panose="020B0604020202020204" pitchFamily="34" charset="0"/>
+              </a:rPr>
+              <a:t> </a:t>
+            </a:r>
+            <a:r>
+              <a:rPr lang="es-AR" sz="1600" dirty="0" err="1" smtClean="0">
+                <a:latin typeface="Arial" panose="020B0604020202020204" pitchFamily="34" charset="0"/>
+                <a:cs typeface="Arial" panose="020B0604020202020204" pitchFamily="34" charset="0"/>
+              </a:rPr>
+              <a:t>new_lab_work</a:t>
+            </a:r>
+            <a:r>
+              <a:rPr lang="es-AR" sz="1600" dirty="0" smtClean="0">
+                <a:latin typeface="Arial" panose="020B0604020202020204" pitchFamily="34" charset="0"/>
+                <a:cs typeface="Arial" panose="020B0604020202020204" pitchFamily="34" charset="0"/>
+              </a:rPr>
+              <a:t>, se le asigna un estado de ‘Iniciado’. Este </a:t>
+            </a:r>
+            <a:r>
+              <a:rPr lang="es-AR" sz="1600" dirty="0" err="1" smtClean="0">
+                <a:latin typeface="Arial" panose="020B0604020202020204" pitchFamily="34" charset="0"/>
+                <a:cs typeface="Arial" panose="020B0604020202020204" pitchFamily="34" charset="0"/>
+              </a:rPr>
+              <a:t>trigger</a:t>
+            </a:r>
+            <a:r>
+              <a:rPr lang="es-AR" sz="1600" dirty="0" smtClean="0">
+                <a:latin typeface="Arial" panose="020B0604020202020204" pitchFamily="34" charset="0"/>
+                <a:cs typeface="Arial" panose="020B0604020202020204" pitchFamily="34" charset="0"/>
+              </a:rPr>
+              <a:t> es un BEFORE UPDATE que al asignarle un laboratorio a un trabajo que no estaba asignado, cambia el estado de ‘Iniciado’ a ‘Asignado’.</a:t>
+            </a:r>
+            <a:endParaRPr lang="es-AR" sz="1600" dirty="0">
+              <a:latin typeface="Arial" panose="020B0604020202020204" pitchFamily="34" charset="0"/>
+              <a:cs typeface="Arial" panose="020B0604020202020204" pitchFamily="34" charset="0"/>
+            </a:endParaRPr>
+          </a:p>
+        </p:txBody>
+      </p:sp>
+      <p:sp>
+        <p:nvSpPr>
+          <p:cNvPr id="7" name="CuadroTexto 6"/>
+          <p:cNvSpPr txBox="1"/>
+          <p:nvPr/>
+        </p:nvSpPr>
+        <p:spPr>
+          <a:xfrm>
+            <a:off x="261257" y="6066410"/>
+            <a:ext cx="11930743" cy="646331"/>
+          </a:xfrm>
+          <a:prstGeom prst="rect">
+            <a:avLst/>
+          </a:prstGeom>
+          <a:noFill/>
+        </p:spPr>
+        <p:txBody>
+          <a:bodyPr wrap="square" rtlCol="0">
+            <a:spAutoFit/>
+          </a:bodyPr>
+          <a:lstStyle/>
+          <a:p>
+            <a:pPr algn="ctr"/>
+            <a:r>
+              <a:rPr lang="es-AR" dirty="0" smtClean="0">
+                <a:latin typeface="Arial" panose="020B0604020202020204" pitchFamily="34" charset="0"/>
+                <a:cs typeface="Arial" panose="020B0604020202020204" pitchFamily="34" charset="0"/>
+              </a:rPr>
+              <a:t>Link a archivo </a:t>
+            </a:r>
+            <a:r>
+              <a:rPr lang="es-AR" dirty="0" smtClean="0">
+                <a:latin typeface="Arial" panose="020B0604020202020204" pitchFamily="34" charset="0"/>
+                <a:cs typeface="Arial" panose="020B0604020202020204" pitchFamily="34" charset="0"/>
+              </a:rPr>
+              <a:t>.</a:t>
+            </a:r>
+            <a:r>
+              <a:rPr lang="es-AR" dirty="0" err="1" smtClean="0">
+                <a:latin typeface="Arial" panose="020B0604020202020204" pitchFamily="34" charset="0"/>
+                <a:cs typeface="Arial" panose="020B0604020202020204" pitchFamily="34" charset="0"/>
+              </a:rPr>
+              <a:t>sql</a:t>
+            </a:r>
+            <a:r>
+              <a:rPr lang="es-AR" dirty="0" smtClean="0">
+                <a:latin typeface="Arial" panose="020B0604020202020204" pitchFamily="34" charset="0"/>
+                <a:cs typeface="Arial" panose="020B0604020202020204" pitchFamily="34" charset="0"/>
+              </a:rPr>
+              <a:t>:</a:t>
+            </a:r>
+          </a:p>
+          <a:p>
+            <a:pPr algn="ctr"/>
+            <a:r>
+              <a:rPr lang="es-AR" dirty="0">
+                <a:latin typeface="Arial" panose="020B0604020202020204" pitchFamily="34" charset="0"/>
+                <a:cs typeface="Arial" panose="020B0604020202020204" pitchFamily="34" charset="0"/>
+                <a:hlinkClick r:id="rId3"/>
+              </a:rPr>
+              <a:t>https://</a:t>
+            </a:r>
+            <a:r>
+              <a:rPr lang="es-AR" dirty="0" smtClean="0">
+                <a:latin typeface="Arial" panose="020B0604020202020204" pitchFamily="34" charset="0"/>
+                <a:cs typeface="Arial" panose="020B0604020202020204" pitchFamily="34" charset="0"/>
+                <a:hlinkClick r:id="rId3"/>
+              </a:rPr>
+              <a:t>github.com/lbenav90/fymdentalSQL/blob/ac464f341bdef3450f2acb8ecc745e6df3cb82cc/fymdental.sql</a:t>
+            </a:r>
+            <a:endParaRPr lang="es-AR" dirty="0" smtClean="0">
+              <a:latin typeface="Arial" panose="020B0604020202020204" pitchFamily="34" charset="0"/>
+              <a:cs typeface="Arial" panose="020B0604020202020204" pitchFamily="34" charset="0"/>
+            </a:endParaRPr>
+          </a:p>
+        </p:txBody>
+      </p:sp>
+    </p:spTree>
+    <p:extLst>
+      <p:ext uri="{BB962C8B-B14F-4D97-AF65-F5344CB8AC3E}">
+        <p14:creationId xmlns:p14="http://schemas.microsoft.com/office/powerpoint/2010/main" val="3668668247"/>
+      </p:ext>
+    </p:extLst>
+  </p:cSld>
+  <p:clrMapOvr>
+    <a:masterClrMapping/>
+  </p:clrMapOvr>
+</p:sld>
+</file>
+
+<file path=ppt/slides/slide7.xml><?xml version="1.0" encoding="utf-8"?>
+<p:sld xmlns:a="http://schemas.openxmlformats.org/drawingml/2006/main" xmlns:r="http://schemas.openxmlformats.org/officeDocument/2006/relationships" xmlns:p="http://schemas.openxmlformats.org/presentationml/2006/main">
+  <p:cSld>
+    <p:spTree>
+      <p:nvGrpSpPr>
+        <p:cNvPr id="1" name=""/>
+        <p:cNvGrpSpPr/>
+        <p:nvPr/>
+      </p:nvGrpSpPr>
+      <p:grpSpPr>
+        <a:xfrm>
+          <a:off x="0" y="0"/>
+          <a:ext cx="0" cy="0"/>
+          <a:chOff x="0" y="0"/>
+          <a:chExt cx="0" cy="0"/>
+        </a:xfrm>
+      </p:grpSpPr>
+      <p:pic>
+        <p:nvPicPr>
+          <p:cNvPr id="1026" name="Picture 2" descr="Club Movistar | Beneficios y descuentos | Coderhouse - 20% extra en cursos  y carreras del Plan Coder Beca"/>
+          <p:cNvPicPr>
+            <a:picLocks noChangeAspect="1" noChangeArrowheads="1"/>
+          </p:cNvPicPr>
+          <p:nvPr/>
+        </p:nvPicPr>
+        <p:blipFill rotWithShape="1">
+          <a:blip r:embed="rId2">
+            <a:extLst>
+              <a:ext uri="{28A0092B-C50C-407E-A947-70E740481C1C}">
+                <a14:useLocalDpi xmlns:a14="http://schemas.microsoft.com/office/drawing/2010/main" val="0"/>
+              </a:ext>
+            </a:extLst>
+          </a:blip>
+          <a:srcRect l="9683" t="37420" r="7509" b="39070"/>
+          <a:stretch/>
+        </p:blipFill>
+        <p:spPr bwMode="auto">
+          <a:xfrm>
+            <a:off x="4319451" y="608835"/>
+            <a:ext cx="3500846" cy="993931"/>
+          </a:xfrm>
+          <a:prstGeom prst="rect">
+            <a:avLst/>
+          </a:prstGeom>
+          <a:noFill/>
+          <a:extLst>
+            <a:ext uri="{909E8E84-426E-40DD-AFC4-6F175D3DCCD1}">
+              <a14:hiddenFill xmlns:a14="http://schemas.microsoft.com/office/drawing/2010/main">
+                <a:solidFill>
+                  <a:srgbClr val="FFFFFF"/>
+                </a:solidFill>
+              </a14:hiddenFill>
+            </a:ext>
+          </a:extLst>
+        </p:spPr>
+      </p:pic>
+      <p:sp>
+        <p:nvSpPr>
+          <p:cNvPr id="2" name="CuadroTexto 1"/>
+          <p:cNvSpPr txBox="1"/>
+          <p:nvPr/>
+        </p:nvSpPr>
+        <p:spPr>
+          <a:xfrm>
+            <a:off x="505097" y="2203269"/>
+            <a:ext cx="9927718" cy="461665"/>
+          </a:xfrm>
+          <a:prstGeom prst="rect">
+            <a:avLst/>
+          </a:prstGeom>
+          <a:noFill/>
+        </p:spPr>
+        <p:txBody>
+          <a:bodyPr wrap="none" rtlCol="0">
+            <a:spAutoFit/>
+          </a:bodyPr>
+          <a:lstStyle/>
+          <a:p>
+            <a:r>
+              <a:rPr lang="es-AR" sz="2400" u="sng" dirty="0" smtClean="0">
+                <a:latin typeface="Arial" panose="020B0604020202020204" pitchFamily="34" charset="0"/>
+                <a:cs typeface="Arial" panose="020B0604020202020204" pitchFamily="34" charset="0"/>
+              </a:rPr>
+              <a:t>Gestión de clínica odontológica </a:t>
+            </a:r>
+            <a:r>
+              <a:rPr lang="es-AR" sz="2400" u="sng" dirty="0" smtClean="0">
+                <a:latin typeface="Arial" panose="020B0604020202020204" pitchFamily="34" charset="0"/>
+                <a:cs typeface="Arial" panose="020B0604020202020204" pitchFamily="34" charset="0"/>
+              </a:rPr>
+              <a:t>pequeña – Objetos de la base de datos</a:t>
+            </a:r>
+            <a:endParaRPr lang="es-AR" sz="2400" u="sng" dirty="0">
+              <a:latin typeface="Arial" panose="020B0604020202020204" pitchFamily="34" charset="0"/>
+              <a:cs typeface="Arial" panose="020B0604020202020204" pitchFamily="34" charset="0"/>
+            </a:endParaRPr>
+          </a:p>
+        </p:txBody>
+      </p:sp>
+      <p:sp>
+        <p:nvSpPr>
+          <p:cNvPr id="5" name="CuadroTexto 4"/>
+          <p:cNvSpPr txBox="1"/>
+          <p:nvPr/>
+        </p:nvSpPr>
+        <p:spPr>
+          <a:xfrm>
+            <a:off x="3361509" y="2664934"/>
+            <a:ext cx="184731" cy="369332"/>
+          </a:xfrm>
+          <a:prstGeom prst="rect">
+            <a:avLst/>
+          </a:prstGeom>
+          <a:noFill/>
+        </p:spPr>
+        <p:txBody>
+          <a:bodyPr wrap="none" rtlCol="0">
+            <a:spAutoFit/>
+          </a:bodyPr>
+          <a:lstStyle/>
+          <a:p>
+            <a:endParaRPr lang="es-AR" dirty="0"/>
+          </a:p>
+        </p:txBody>
+      </p:sp>
+      <p:sp>
+        <p:nvSpPr>
+          <p:cNvPr id="6" name="CuadroTexto 5"/>
+          <p:cNvSpPr txBox="1"/>
+          <p:nvPr/>
+        </p:nvSpPr>
+        <p:spPr>
+          <a:xfrm>
+            <a:off x="261257" y="2934511"/>
+            <a:ext cx="11817531" cy="3108543"/>
+          </a:xfrm>
+          <a:prstGeom prst="rect">
+            <a:avLst/>
+          </a:prstGeom>
+          <a:noFill/>
+        </p:spPr>
+        <p:txBody>
+          <a:bodyPr wrap="square" rtlCol="0">
+            <a:spAutoFit/>
+          </a:bodyPr>
+          <a:lstStyle/>
+          <a:p>
+            <a:r>
+              <a:rPr lang="es-AR" dirty="0" smtClean="0">
+                <a:latin typeface="Arial" panose="020B0604020202020204" pitchFamily="34" charset="0"/>
+                <a:cs typeface="Arial" panose="020B0604020202020204" pitchFamily="34" charset="0"/>
+              </a:rPr>
+              <a:t>Funciones:</a:t>
+            </a:r>
+            <a:endParaRPr lang="es-AR" dirty="0" smtClean="0">
+              <a:latin typeface="Arial" panose="020B0604020202020204" pitchFamily="34" charset="0"/>
+              <a:cs typeface="Arial" panose="020B0604020202020204" pitchFamily="34" charset="0"/>
+            </a:endParaRPr>
+          </a:p>
+          <a:p>
+            <a:endParaRPr lang="es-AR" dirty="0" smtClean="0">
+              <a:latin typeface="Arial" panose="020B0604020202020204" pitchFamily="34" charset="0"/>
+              <a:cs typeface="Arial" panose="020B0604020202020204" pitchFamily="34" charset="0"/>
+            </a:endParaRPr>
+          </a:p>
+          <a:p>
+            <a:pPr marL="285750" indent="-285750">
+              <a:buFont typeface="Arial" panose="020B0604020202020204" pitchFamily="34" charset="0"/>
+              <a:buChar char="•"/>
+            </a:pPr>
+            <a:r>
+              <a:rPr lang="es-AR" sz="1600" dirty="0" err="1" smtClean="0">
+                <a:latin typeface="Arial" panose="020B0604020202020204" pitchFamily="34" charset="0"/>
+                <a:cs typeface="Arial" panose="020B0604020202020204" pitchFamily="34" charset="0"/>
+              </a:rPr>
+              <a:t>honorarios_mensuales</a:t>
+            </a:r>
+            <a:r>
+              <a:rPr lang="es-AR" sz="1600" dirty="0" smtClean="0">
+                <a:latin typeface="Arial" panose="020B0604020202020204" pitchFamily="34" charset="0"/>
+                <a:cs typeface="Arial" panose="020B0604020202020204" pitchFamily="34" charset="0"/>
+              </a:rPr>
+              <a:t>: Esta es una función que toma dos parámetros, ‘id’ es el valor de </a:t>
+            </a:r>
+            <a:r>
+              <a:rPr lang="es-AR" sz="1600" dirty="0" err="1" smtClean="0">
+                <a:latin typeface="Arial" panose="020B0604020202020204" pitchFamily="34" charset="0"/>
+                <a:cs typeface="Arial" panose="020B0604020202020204" pitchFamily="34" charset="0"/>
+              </a:rPr>
+              <a:t>id_empleado</a:t>
+            </a:r>
+            <a:r>
+              <a:rPr lang="es-AR" sz="1600" dirty="0" smtClean="0">
+                <a:latin typeface="Arial" panose="020B0604020202020204" pitchFamily="34" charset="0"/>
+                <a:cs typeface="Arial" panose="020B0604020202020204" pitchFamily="34" charset="0"/>
+              </a:rPr>
+              <a:t> del odontólogo para el cuál se desea calcular el honorario y ‘mes’ es la representación INT del mes para el cual se desea calcular el honorario. Suma todos los pagos realizados en el mes indicado que estén asignados el odontólogo </a:t>
+            </a:r>
+            <a:r>
+              <a:rPr lang="es-AR" sz="1600" dirty="0" err="1" smtClean="0">
+                <a:latin typeface="Arial" panose="020B0604020202020204" pitchFamily="34" charset="0"/>
+                <a:cs typeface="Arial" panose="020B0604020202020204" pitchFamily="34" charset="0"/>
+              </a:rPr>
+              <a:t>ingreresado</a:t>
+            </a:r>
+            <a:r>
+              <a:rPr lang="es-AR" sz="1600" dirty="0" smtClean="0">
+                <a:latin typeface="Arial" panose="020B0604020202020204" pitchFamily="34" charset="0"/>
+                <a:cs typeface="Arial" panose="020B0604020202020204" pitchFamily="34" charset="0"/>
+              </a:rPr>
+              <a:t> y le aplica el porcentaje indicado en la tabla </a:t>
+            </a:r>
+            <a:r>
+              <a:rPr lang="es-AR" sz="1600" dirty="0" err="1" smtClean="0">
+                <a:latin typeface="Arial" panose="020B0604020202020204" pitchFamily="34" charset="0"/>
+                <a:cs typeface="Arial" panose="020B0604020202020204" pitchFamily="34" charset="0"/>
+              </a:rPr>
+              <a:t>tipo_de_empleado</a:t>
+            </a:r>
+            <a:r>
+              <a:rPr lang="es-AR" sz="1600" dirty="0" smtClean="0">
+                <a:latin typeface="Arial" panose="020B0604020202020204" pitchFamily="34" charset="0"/>
+                <a:cs typeface="Arial" panose="020B0604020202020204" pitchFamily="34" charset="0"/>
+              </a:rPr>
+              <a:t>. Luego le resta los costos de los trabajos de laboratorio de esas evoluciones aplicándole el porcentaje indicado en la tabla </a:t>
+            </a:r>
+            <a:r>
+              <a:rPr lang="es-AR" sz="1600" dirty="0" err="1" smtClean="0">
+                <a:latin typeface="Arial" panose="020B0604020202020204" pitchFamily="34" charset="0"/>
+                <a:cs typeface="Arial" panose="020B0604020202020204" pitchFamily="34" charset="0"/>
+              </a:rPr>
+              <a:t>tipo_de_empleado</a:t>
+            </a:r>
+            <a:r>
+              <a:rPr lang="es-AR" sz="1600" dirty="0">
+                <a:latin typeface="Arial" panose="020B0604020202020204" pitchFamily="34" charset="0"/>
+                <a:cs typeface="Arial" panose="020B0604020202020204" pitchFamily="34" charset="0"/>
+              </a:rPr>
+              <a:t>.</a:t>
+            </a:r>
+          </a:p>
+          <a:p>
+            <a:pPr marL="285750" indent="-285750">
+              <a:buFont typeface="Arial" panose="020B0604020202020204" pitchFamily="34" charset="0"/>
+              <a:buChar char="•"/>
+            </a:pPr>
+            <a:endParaRPr lang="es-AR" sz="1600" dirty="0" smtClean="0">
+              <a:latin typeface="Arial" panose="020B0604020202020204" pitchFamily="34" charset="0"/>
+              <a:cs typeface="Arial" panose="020B0604020202020204" pitchFamily="34" charset="0"/>
+            </a:endParaRPr>
+          </a:p>
+          <a:p>
+            <a:pPr marL="285750" indent="-285750">
+              <a:buFont typeface="Arial" panose="020B0604020202020204" pitchFamily="34" charset="0"/>
+              <a:buChar char="•"/>
+            </a:pPr>
+            <a:r>
+              <a:rPr lang="es-AR" sz="1600" dirty="0" err="1" smtClean="0">
+                <a:latin typeface="Arial" panose="020B0604020202020204" pitchFamily="34" charset="0"/>
+                <a:cs typeface="Arial" panose="020B0604020202020204" pitchFamily="34" charset="0"/>
+              </a:rPr>
+              <a:t>adicional_montos_fijos</a:t>
+            </a:r>
+            <a:r>
+              <a:rPr lang="es-AR" sz="1600" dirty="0" smtClean="0">
+                <a:latin typeface="Arial" panose="020B0604020202020204" pitchFamily="34" charset="0"/>
+                <a:cs typeface="Arial" panose="020B0604020202020204" pitchFamily="34" charset="0"/>
+              </a:rPr>
+              <a:t>: Esta función trabaja muy similarmente a la anterior pero se aplica principalmente sobre secretarias y asistentes que realizan algunos trabajos, como radiografías. Tiene los mismos parámetros que la anterior pero no aplica ningún porcentaje. Suma los adicionales de los tratamientos asignados al empleado ingresado, lo que se suma al sueldo regular.</a:t>
+            </a:r>
+            <a:endParaRPr lang="es-AR" sz="1600" dirty="0">
+              <a:latin typeface="Arial" panose="020B0604020202020204" pitchFamily="34" charset="0"/>
+              <a:cs typeface="Arial" panose="020B0604020202020204" pitchFamily="34" charset="0"/>
+            </a:endParaRPr>
+          </a:p>
+        </p:txBody>
+      </p:sp>
+      <p:sp>
+        <p:nvSpPr>
+          <p:cNvPr id="7" name="CuadroTexto 6"/>
+          <p:cNvSpPr txBox="1"/>
+          <p:nvPr/>
+        </p:nvSpPr>
+        <p:spPr>
+          <a:xfrm>
+            <a:off x="261257" y="6066410"/>
+            <a:ext cx="11930743" cy="646331"/>
+          </a:xfrm>
+          <a:prstGeom prst="rect">
+            <a:avLst/>
+          </a:prstGeom>
+          <a:noFill/>
+        </p:spPr>
+        <p:txBody>
+          <a:bodyPr wrap="square" rtlCol="0">
+            <a:spAutoFit/>
+          </a:bodyPr>
+          <a:lstStyle/>
+          <a:p>
+            <a:pPr algn="ctr"/>
+            <a:r>
+              <a:rPr lang="es-AR" dirty="0" smtClean="0">
+                <a:latin typeface="Arial" panose="020B0604020202020204" pitchFamily="34" charset="0"/>
+                <a:cs typeface="Arial" panose="020B0604020202020204" pitchFamily="34" charset="0"/>
+              </a:rPr>
+              <a:t>Link a archivo </a:t>
+            </a:r>
+            <a:r>
+              <a:rPr lang="es-AR" dirty="0" smtClean="0">
+                <a:latin typeface="Arial" panose="020B0604020202020204" pitchFamily="34" charset="0"/>
+                <a:cs typeface="Arial" panose="020B0604020202020204" pitchFamily="34" charset="0"/>
+              </a:rPr>
+              <a:t>.</a:t>
+            </a:r>
+            <a:r>
+              <a:rPr lang="es-AR" dirty="0" err="1" smtClean="0">
+                <a:latin typeface="Arial" panose="020B0604020202020204" pitchFamily="34" charset="0"/>
+                <a:cs typeface="Arial" panose="020B0604020202020204" pitchFamily="34" charset="0"/>
+              </a:rPr>
+              <a:t>sql</a:t>
+            </a:r>
+            <a:r>
+              <a:rPr lang="es-AR" dirty="0" smtClean="0">
+                <a:latin typeface="Arial" panose="020B0604020202020204" pitchFamily="34" charset="0"/>
+                <a:cs typeface="Arial" panose="020B0604020202020204" pitchFamily="34" charset="0"/>
+              </a:rPr>
+              <a:t>:</a:t>
+            </a:r>
+          </a:p>
+          <a:p>
+            <a:pPr algn="ctr"/>
+            <a:r>
+              <a:rPr lang="es-AR" dirty="0">
+                <a:latin typeface="Arial" panose="020B0604020202020204" pitchFamily="34" charset="0"/>
+                <a:cs typeface="Arial" panose="020B0604020202020204" pitchFamily="34" charset="0"/>
+                <a:hlinkClick r:id="rId3"/>
+              </a:rPr>
+              <a:t>https://</a:t>
+            </a:r>
+            <a:r>
+              <a:rPr lang="es-AR" dirty="0" smtClean="0">
+                <a:latin typeface="Arial" panose="020B0604020202020204" pitchFamily="34" charset="0"/>
+                <a:cs typeface="Arial" panose="020B0604020202020204" pitchFamily="34" charset="0"/>
+                <a:hlinkClick r:id="rId3"/>
+              </a:rPr>
+              <a:t>github.com/lbenav90/fymdentalSQL/blob/ac464f341bdef3450f2acb8ecc745e6df3cb82cc/fymdental.sql</a:t>
+            </a:r>
+            <a:endParaRPr lang="es-AR" dirty="0" smtClean="0">
+              <a:latin typeface="Arial" panose="020B0604020202020204" pitchFamily="34" charset="0"/>
+              <a:cs typeface="Arial" panose="020B0604020202020204" pitchFamily="34" charset="0"/>
+            </a:endParaRPr>
+          </a:p>
+        </p:txBody>
+      </p:sp>
+    </p:spTree>
+    <p:extLst>
+      <p:ext uri="{BB962C8B-B14F-4D97-AF65-F5344CB8AC3E}">
+        <p14:creationId xmlns:p14="http://schemas.microsoft.com/office/powerpoint/2010/main" val="3070527011"/>
+      </p:ext>
+    </p:extLst>
+  </p:cSld>
+  <p:clrMapOvr>
+    <a:masterClrMapping/>
+  </p:clrMapOvr>
+</p:sld>
+</file>
+
+<file path=ppt/slides/slide8.xml><?xml version="1.0" encoding="utf-8"?>
+<p:sld xmlns:a="http://schemas.openxmlformats.org/drawingml/2006/main" xmlns:r="http://schemas.openxmlformats.org/officeDocument/2006/relationships" xmlns:p="http://schemas.openxmlformats.org/presentationml/2006/main">
+  <p:cSld>
+    <p:spTree>
+      <p:nvGrpSpPr>
+        <p:cNvPr id="1" name=""/>
+        <p:cNvGrpSpPr/>
+        <p:nvPr/>
+      </p:nvGrpSpPr>
+      <p:grpSpPr>
+        <a:xfrm>
+          <a:off x="0" y="0"/>
+          <a:ext cx="0" cy="0"/>
+          <a:chOff x="0" y="0"/>
+          <a:chExt cx="0" cy="0"/>
+        </a:xfrm>
+      </p:grpSpPr>
+      <p:pic>
+        <p:nvPicPr>
+          <p:cNvPr id="1026" name="Picture 2" descr="Club Movistar | Beneficios y descuentos | Coderhouse - 20% extra en cursos  y carreras del Plan Coder Beca"/>
+          <p:cNvPicPr>
+            <a:picLocks noChangeAspect="1" noChangeArrowheads="1"/>
+          </p:cNvPicPr>
+          <p:nvPr/>
+        </p:nvPicPr>
+        <p:blipFill rotWithShape="1">
+          <a:blip r:embed="rId2">
+            <a:extLst>
+              <a:ext uri="{28A0092B-C50C-407E-A947-70E740481C1C}">
+                <a14:useLocalDpi xmlns:a14="http://schemas.microsoft.com/office/drawing/2010/main" val="0"/>
+              </a:ext>
+            </a:extLst>
+          </a:blip>
+          <a:srcRect l="9683" t="37420" r="7509" b="39070"/>
+          <a:stretch/>
+        </p:blipFill>
+        <p:spPr bwMode="auto">
+          <a:xfrm>
+            <a:off x="4319451" y="608835"/>
+            <a:ext cx="3500846" cy="993931"/>
+          </a:xfrm>
+          <a:prstGeom prst="rect">
+            <a:avLst/>
+          </a:prstGeom>
+          <a:noFill/>
+          <a:extLst>
+            <a:ext uri="{909E8E84-426E-40DD-AFC4-6F175D3DCCD1}">
+              <a14:hiddenFill xmlns:a14="http://schemas.microsoft.com/office/drawing/2010/main">
+                <a:solidFill>
+                  <a:srgbClr val="FFFFFF"/>
+                </a:solidFill>
+              </a14:hiddenFill>
+            </a:ext>
+          </a:extLst>
+        </p:spPr>
+      </p:pic>
+      <p:sp>
+        <p:nvSpPr>
+          <p:cNvPr id="2" name="CuadroTexto 1"/>
+          <p:cNvSpPr txBox="1"/>
+          <p:nvPr/>
+        </p:nvSpPr>
+        <p:spPr>
+          <a:xfrm>
+            <a:off x="505097" y="2203269"/>
+            <a:ext cx="9927718" cy="461665"/>
+          </a:xfrm>
+          <a:prstGeom prst="rect">
+            <a:avLst/>
+          </a:prstGeom>
+          <a:noFill/>
+        </p:spPr>
+        <p:txBody>
+          <a:bodyPr wrap="none" rtlCol="0">
+            <a:spAutoFit/>
+          </a:bodyPr>
+          <a:lstStyle/>
+          <a:p>
+            <a:r>
+              <a:rPr lang="es-AR" sz="2400" u="sng" dirty="0" smtClean="0">
+                <a:latin typeface="Arial" panose="020B0604020202020204" pitchFamily="34" charset="0"/>
+                <a:cs typeface="Arial" panose="020B0604020202020204" pitchFamily="34" charset="0"/>
+              </a:rPr>
+              <a:t>Gestión de clínica odontológica </a:t>
+            </a:r>
+            <a:r>
+              <a:rPr lang="es-AR" sz="2400" u="sng" dirty="0" smtClean="0">
+                <a:latin typeface="Arial" panose="020B0604020202020204" pitchFamily="34" charset="0"/>
+                <a:cs typeface="Arial" panose="020B0604020202020204" pitchFamily="34" charset="0"/>
+              </a:rPr>
+              <a:t>pequeña – Objetos de la base de datos</a:t>
+            </a:r>
+            <a:endParaRPr lang="es-AR" sz="2400" u="sng" dirty="0">
+              <a:latin typeface="Arial" panose="020B0604020202020204" pitchFamily="34" charset="0"/>
+              <a:cs typeface="Arial" panose="020B0604020202020204" pitchFamily="34" charset="0"/>
+            </a:endParaRPr>
+          </a:p>
+        </p:txBody>
+      </p:sp>
+      <p:sp>
+        <p:nvSpPr>
+          <p:cNvPr id="5" name="CuadroTexto 4"/>
+          <p:cNvSpPr txBox="1"/>
+          <p:nvPr/>
+        </p:nvSpPr>
+        <p:spPr>
+          <a:xfrm>
+            <a:off x="3361509" y="2664934"/>
+            <a:ext cx="184731" cy="369332"/>
+          </a:xfrm>
+          <a:prstGeom prst="rect">
+            <a:avLst/>
+          </a:prstGeom>
+          <a:noFill/>
+        </p:spPr>
+        <p:txBody>
+          <a:bodyPr wrap="none" rtlCol="0">
+            <a:spAutoFit/>
+          </a:bodyPr>
+          <a:lstStyle/>
+          <a:p>
+            <a:endParaRPr lang="es-AR" dirty="0"/>
+          </a:p>
+        </p:txBody>
+      </p:sp>
+      <p:sp>
+        <p:nvSpPr>
+          <p:cNvPr id="6" name="CuadroTexto 5"/>
+          <p:cNvSpPr txBox="1"/>
+          <p:nvPr/>
+        </p:nvSpPr>
+        <p:spPr>
+          <a:xfrm>
+            <a:off x="261257" y="2934511"/>
+            <a:ext cx="11817531" cy="2369880"/>
+          </a:xfrm>
+          <a:prstGeom prst="rect">
+            <a:avLst/>
+          </a:prstGeom>
+          <a:noFill/>
+        </p:spPr>
+        <p:txBody>
+          <a:bodyPr wrap="square" rtlCol="0">
+            <a:spAutoFit/>
+          </a:bodyPr>
+          <a:lstStyle/>
+          <a:p>
+            <a:r>
+              <a:rPr lang="es-AR" dirty="0" smtClean="0">
+                <a:latin typeface="Arial" panose="020B0604020202020204" pitchFamily="34" charset="0"/>
+                <a:cs typeface="Arial" panose="020B0604020202020204" pitchFamily="34" charset="0"/>
+              </a:rPr>
+              <a:t>Funciones:</a:t>
+            </a:r>
+            <a:endParaRPr lang="es-AR" dirty="0" smtClean="0">
+              <a:latin typeface="Arial" panose="020B0604020202020204" pitchFamily="34" charset="0"/>
+              <a:cs typeface="Arial" panose="020B0604020202020204" pitchFamily="34" charset="0"/>
+            </a:endParaRPr>
+          </a:p>
+          <a:p>
+            <a:endParaRPr lang="es-AR" dirty="0" smtClean="0">
+              <a:latin typeface="Arial" panose="020B0604020202020204" pitchFamily="34" charset="0"/>
+              <a:cs typeface="Arial" panose="020B0604020202020204" pitchFamily="34" charset="0"/>
+            </a:endParaRPr>
+          </a:p>
+          <a:p>
+            <a:pPr marL="285750" indent="-285750">
+              <a:buFont typeface="Arial" panose="020B0604020202020204" pitchFamily="34" charset="0"/>
+              <a:buChar char="•"/>
+            </a:pPr>
+            <a:r>
+              <a:rPr lang="es-AR" sz="1600" dirty="0" err="1" smtClean="0">
+                <a:latin typeface="Arial" panose="020B0604020202020204" pitchFamily="34" charset="0"/>
+                <a:cs typeface="Arial" panose="020B0604020202020204" pitchFamily="34" charset="0"/>
+              </a:rPr>
+              <a:t>limpiar_string</a:t>
+            </a:r>
+            <a:r>
+              <a:rPr lang="es-AR" sz="1600" dirty="0" smtClean="0">
+                <a:latin typeface="Arial" panose="020B0604020202020204" pitchFamily="34" charset="0"/>
+                <a:cs typeface="Arial" panose="020B0604020202020204" pitchFamily="34" charset="0"/>
+              </a:rPr>
+              <a:t>: Es una función que toma un </a:t>
+            </a:r>
+            <a:r>
+              <a:rPr lang="es-AR" sz="1600" dirty="0" err="1" smtClean="0">
+                <a:latin typeface="Arial" panose="020B0604020202020204" pitchFamily="34" charset="0"/>
+                <a:cs typeface="Arial" panose="020B0604020202020204" pitchFamily="34" charset="0"/>
+              </a:rPr>
+              <a:t>string</a:t>
+            </a:r>
+            <a:r>
+              <a:rPr lang="es-AR" sz="1600" dirty="0" smtClean="0">
+                <a:latin typeface="Arial" panose="020B0604020202020204" pitchFamily="34" charset="0"/>
+                <a:cs typeface="Arial" panose="020B0604020202020204" pitchFamily="34" charset="0"/>
+              </a:rPr>
+              <a:t> de entrada y lo devuelve sin símbolos ni espacios. Está pensada para limpiar datos de documentos o teléfonos que normalmente contienen puntos, guiones o espacios. Hace una única excepción, que el es símbolo ‘+’ como primer carácter, lo cual indica una característica internacional. Si esta en </a:t>
+            </a:r>
+            <a:r>
+              <a:rPr lang="es-AR" sz="1600" dirty="0" err="1" smtClean="0">
+                <a:latin typeface="Arial" panose="020B0604020202020204" pitchFamily="34" charset="0"/>
+                <a:cs typeface="Arial" panose="020B0604020202020204" pitchFamily="34" charset="0"/>
+              </a:rPr>
+              <a:t>pimera</a:t>
+            </a:r>
+            <a:r>
+              <a:rPr lang="es-AR" sz="1600" dirty="0" smtClean="0">
+                <a:latin typeface="Arial" panose="020B0604020202020204" pitchFamily="34" charset="0"/>
+                <a:cs typeface="Arial" panose="020B0604020202020204" pitchFamily="34" charset="0"/>
+              </a:rPr>
+              <a:t> posición, lo deja. Si no, lo saca.</a:t>
+            </a:r>
+          </a:p>
+          <a:p>
+            <a:pPr marL="285750" indent="-285750">
+              <a:buFont typeface="Arial" panose="020B0604020202020204" pitchFamily="34" charset="0"/>
+              <a:buChar char="•"/>
+            </a:pPr>
+            <a:endParaRPr lang="es-AR" sz="1600" dirty="0">
+              <a:latin typeface="Arial" panose="020B0604020202020204" pitchFamily="34" charset="0"/>
+              <a:cs typeface="Arial" panose="020B0604020202020204" pitchFamily="34" charset="0"/>
+            </a:endParaRPr>
+          </a:p>
+          <a:p>
+            <a:pPr marL="285750" indent="-285750">
+              <a:buFont typeface="Arial" panose="020B0604020202020204" pitchFamily="34" charset="0"/>
+              <a:buChar char="•"/>
+            </a:pPr>
+            <a:r>
+              <a:rPr lang="es-AR" sz="1600" dirty="0" err="1" smtClean="0">
+                <a:latin typeface="Arial" panose="020B0604020202020204" pitchFamily="34" charset="0"/>
+                <a:cs typeface="Arial" panose="020B0604020202020204" pitchFamily="34" charset="0"/>
+              </a:rPr>
+              <a:t>validar_email</a:t>
+            </a:r>
+            <a:r>
+              <a:rPr lang="es-AR" sz="1600" dirty="0" smtClean="0">
+                <a:latin typeface="Arial" panose="020B0604020202020204" pitchFamily="34" charset="0"/>
+                <a:cs typeface="Arial" panose="020B0604020202020204" pitchFamily="34" charset="0"/>
+              </a:rPr>
+              <a:t>: Es una función que valida la estructura de un email utilizando REGEXP, que busqué de internet. Sigue las reglas de validez de emails actuales y se usa en los </a:t>
+            </a:r>
+            <a:r>
+              <a:rPr lang="es-AR" sz="1600" dirty="0" err="1" smtClean="0">
+                <a:latin typeface="Arial" panose="020B0604020202020204" pitchFamily="34" charset="0"/>
+                <a:cs typeface="Arial" panose="020B0604020202020204" pitchFamily="34" charset="0"/>
+              </a:rPr>
+              <a:t>triggers</a:t>
+            </a:r>
+            <a:r>
+              <a:rPr lang="es-AR" sz="1600" dirty="0" smtClean="0">
+                <a:latin typeface="Arial" panose="020B0604020202020204" pitchFamily="34" charset="0"/>
+                <a:cs typeface="Arial" panose="020B0604020202020204" pitchFamily="34" charset="0"/>
+              </a:rPr>
+              <a:t> de validación.</a:t>
+            </a:r>
+            <a:endParaRPr lang="es-AR" sz="1600" dirty="0">
+              <a:latin typeface="Arial" panose="020B0604020202020204" pitchFamily="34" charset="0"/>
+              <a:cs typeface="Arial" panose="020B0604020202020204" pitchFamily="34" charset="0"/>
+            </a:endParaRPr>
+          </a:p>
+        </p:txBody>
+      </p:sp>
+      <p:sp>
+        <p:nvSpPr>
+          <p:cNvPr id="7" name="CuadroTexto 6"/>
+          <p:cNvSpPr txBox="1"/>
+          <p:nvPr/>
+        </p:nvSpPr>
+        <p:spPr>
+          <a:xfrm>
+            <a:off x="261257" y="6066410"/>
+            <a:ext cx="11930743" cy="646331"/>
+          </a:xfrm>
+          <a:prstGeom prst="rect">
+            <a:avLst/>
+          </a:prstGeom>
+          <a:noFill/>
+        </p:spPr>
+        <p:txBody>
+          <a:bodyPr wrap="square" rtlCol="0">
+            <a:spAutoFit/>
+          </a:bodyPr>
+          <a:lstStyle/>
+          <a:p>
+            <a:pPr algn="ctr"/>
+            <a:r>
+              <a:rPr lang="es-AR" dirty="0" smtClean="0">
+                <a:latin typeface="Arial" panose="020B0604020202020204" pitchFamily="34" charset="0"/>
+                <a:cs typeface="Arial" panose="020B0604020202020204" pitchFamily="34" charset="0"/>
+              </a:rPr>
+              <a:t>Link a archivo </a:t>
+            </a:r>
+            <a:r>
+              <a:rPr lang="es-AR" dirty="0" smtClean="0">
+                <a:latin typeface="Arial" panose="020B0604020202020204" pitchFamily="34" charset="0"/>
+                <a:cs typeface="Arial" panose="020B0604020202020204" pitchFamily="34" charset="0"/>
+              </a:rPr>
+              <a:t>.</a:t>
+            </a:r>
+            <a:r>
+              <a:rPr lang="es-AR" dirty="0" err="1" smtClean="0">
+                <a:latin typeface="Arial" panose="020B0604020202020204" pitchFamily="34" charset="0"/>
+                <a:cs typeface="Arial" panose="020B0604020202020204" pitchFamily="34" charset="0"/>
+              </a:rPr>
+              <a:t>sql</a:t>
+            </a:r>
+            <a:r>
+              <a:rPr lang="es-AR" dirty="0" smtClean="0">
+                <a:latin typeface="Arial" panose="020B0604020202020204" pitchFamily="34" charset="0"/>
+                <a:cs typeface="Arial" panose="020B0604020202020204" pitchFamily="34" charset="0"/>
+              </a:rPr>
+              <a:t>:</a:t>
+            </a:r>
+          </a:p>
+          <a:p>
+            <a:pPr algn="ctr"/>
+            <a:r>
+              <a:rPr lang="es-AR" dirty="0">
+                <a:latin typeface="Arial" panose="020B0604020202020204" pitchFamily="34" charset="0"/>
+                <a:cs typeface="Arial" panose="020B0604020202020204" pitchFamily="34" charset="0"/>
+                <a:hlinkClick r:id="rId3"/>
+              </a:rPr>
+              <a:t>https://</a:t>
+            </a:r>
+            <a:r>
+              <a:rPr lang="es-AR" dirty="0" smtClean="0">
+                <a:latin typeface="Arial" panose="020B0604020202020204" pitchFamily="34" charset="0"/>
+                <a:cs typeface="Arial" panose="020B0604020202020204" pitchFamily="34" charset="0"/>
+                <a:hlinkClick r:id="rId3"/>
+              </a:rPr>
+              <a:t>github.com/lbenav90/fymdentalSQL/blob/ac464f341bdef3450f2acb8ecc745e6df3cb82cc/fymdental.sql</a:t>
+            </a:r>
+            <a:endParaRPr lang="es-AR" dirty="0" smtClean="0">
+              <a:latin typeface="Arial" panose="020B0604020202020204" pitchFamily="34" charset="0"/>
+              <a:cs typeface="Arial" panose="020B0604020202020204" pitchFamily="34" charset="0"/>
+            </a:endParaRPr>
+          </a:p>
+        </p:txBody>
+      </p:sp>
+    </p:spTree>
+    <p:extLst>
+      <p:ext uri="{BB962C8B-B14F-4D97-AF65-F5344CB8AC3E}">
+        <p14:creationId xmlns:p14="http://schemas.microsoft.com/office/powerpoint/2010/main" val="791659601"/>
+      </p:ext>
+    </p:extLst>
+  </p:cSld>
+  <p:clrMapOvr>
+    <a:masterClrMapping/>
+  </p:clrMapOvr>
+</p:sld>
+</file>
+
+<file path=ppt/slides/slide9.xml><?xml version="1.0" encoding="utf-8"?>
+<p:sld xmlns:a="http://schemas.openxmlformats.org/drawingml/2006/main" xmlns:r="http://schemas.openxmlformats.org/officeDocument/2006/relationships" xmlns:p="http://schemas.openxmlformats.org/presentationml/2006/main">
+  <p:cSld>
+    <p:spTree>
+      <p:nvGrpSpPr>
+        <p:cNvPr id="1" name=""/>
+        <p:cNvGrpSpPr/>
+        <p:nvPr/>
+      </p:nvGrpSpPr>
+      <p:grpSpPr>
+        <a:xfrm>
+          <a:off x="0" y="0"/>
+          <a:ext cx="0" cy="0"/>
+          <a:chOff x="0" y="0"/>
+          <a:chExt cx="0" cy="0"/>
+        </a:xfrm>
+      </p:grpSpPr>
+      <p:pic>
+        <p:nvPicPr>
+          <p:cNvPr id="1026" name="Picture 2" descr="Club Movistar | Beneficios y descuentos | Coderhouse - 20% extra en cursos  y carreras del Plan Coder Beca"/>
+          <p:cNvPicPr>
+            <a:picLocks noChangeAspect="1" noChangeArrowheads="1"/>
+          </p:cNvPicPr>
+          <p:nvPr/>
+        </p:nvPicPr>
+        <p:blipFill rotWithShape="1">
+          <a:blip r:embed="rId2">
+            <a:extLst>
+              <a:ext uri="{28A0092B-C50C-407E-A947-70E740481C1C}">
+                <a14:useLocalDpi xmlns:a14="http://schemas.microsoft.com/office/drawing/2010/main" val="0"/>
+              </a:ext>
+            </a:extLst>
+          </a:blip>
+          <a:srcRect l="9683" t="37420" r="7509" b="39070"/>
+          <a:stretch/>
+        </p:blipFill>
+        <p:spPr bwMode="auto">
+          <a:xfrm>
+            <a:off x="4319451" y="608835"/>
+            <a:ext cx="3500846" cy="993931"/>
+          </a:xfrm>
+          <a:prstGeom prst="rect">
+            <a:avLst/>
+          </a:prstGeom>
+          <a:noFill/>
+          <a:extLst>
+            <a:ext uri="{909E8E84-426E-40DD-AFC4-6F175D3DCCD1}">
+              <a14:hiddenFill xmlns:a14="http://schemas.microsoft.com/office/drawing/2010/main">
+                <a:solidFill>
+                  <a:srgbClr val="FFFFFF"/>
+                </a:solidFill>
+              </a14:hiddenFill>
+            </a:ext>
+          </a:extLst>
+        </p:spPr>
+      </p:pic>
+      <p:sp>
+        <p:nvSpPr>
+          <p:cNvPr id="2" name="CuadroTexto 1"/>
+          <p:cNvSpPr txBox="1"/>
+          <p:nvPr/>
+        </p:nvSpPr>
+        <p:spPr>
+          <a:xfrm>
+            <a:off x="505097" y="2203269"/>
+            <a:ext cx="9927718" cy="461665"/>
+          </a:xfrm>
+          <a:prstGeom prst="rect">
+            <a:avLst/>
+          </a:prstGeom>
+          <a:noFill/>
+        </p:spPr>
+        <p:txBody>
+          <a:bodyPr wrap="none" rtlCol="0">
+            <a:spAutoFit/>
+          </a:bodyPr>
+          <a:lstStyle/>
+          <a:p>
+            <a:r>
+              <a:rPr lang="es-AR" sz="2400" u="sng" dirty="0" smtClean="0">
+                <a:latin typeface="Arial" panose="020B0604020202020204" pitchFamily="34" charset="0"/>
+                <a:cs typeface="Arial" panose="020B0604020202020204" pitchFamily="34" charset="0"/>
+              </a:rPr>
+              <a:t>Gestión de clínica odontológica </a:t>
+            </a:r>
+            <a:r>
+              <a:rPr lang="es-AR" sz="2400" u="sng" dirty="0" smtClean="0">
+                <a:latin typeface="Arial" panose="020B0604020202020204" pitchFamily="34" charset="0"/>
+                <a:cs typeface="Arial" panose="020B0604020202020204" pitchFamily="34" charset="0"/>
+              </a:rPr>
+              <a:t>pequeña – Objetos de la base de datos</a:t>
+            </a:r>
+            <a:endParaRPr lang="es-AR" sz="2400" u="sng" dirty="0">
+              <a:latin typeface="Arial" panose="020B0604020202020204" pitchFamily="34" charset="0"/>
+              <a:cs typeface="Arial" panose="020B0604020202020204" pitchFamily="34" charset="0"/>
+            </a:endParaRPr>
+          </a:p>
+        </p:txBody>
+      </p:sp>
+      <p:sp>
+        <p:nvSpPr>
+          <p:cNvPr id="5" name="CuadroTexto 4"/>
+          <p:cNvSpPr txBox="1"/>
+          <p:nvPr/>
+        </p:nvSpPr>
+        <p:spPr>
+          <a:xfrm>
+            <a:off x="3361509" y="2664934"/>
+            <a:ext cx="184731" cy="369332"/>
+          </a:xfrm>
+          <a:prstGeom prst="rect">
+            <a:avLst/>
+          </a:prstGeom>
+          <a:noFill/>
+        </p:spPr>
+        <p:txBody>
+          <a:bodyPr wrap="none" rtlCol="0">
+            <a:spAutoFit/>
+          </a:bodyPr>
+          <a:lstStyle/>
+          <a:p>
+            <a:endParaRPr lang="es-AR" dirty="0"/>
+          </a:p>
+        </p:txBody>
+      </p:sp>
+      <p:sp>
+        <p:nvSpPr>
+          <p:cNvPr id="6" name="CuadroTexto 5"/>
+          <p:cNvSpPr txBox="1"/>
+          <p:nvPr/>
+        </p:nvSpPr>
+        <p:spPr>
+          <a:xfrm>
+            <a:off x="261257" y="2934511"/>
+            <a:ext cx="11817531" cy="2616101"/>
+          </a:xfrm>
+          <a:prstGeom prst="rect">
+            <a:avLst/>
+          </a:prstGeom>
+          <a:noFill/>
+        </p:spPr>
+        <p:txBody>
+          <a:bodyPr wrap="square" rtlCol="0">
+            <a:spAutoFit/>
+          </a:bodyPr>
+          <a:lstStyle/>
+          <a:p>
+            <a:r>
+              <a:rPr lang="es-AR" dirty="0" smtClean="0">
+                <a:latin typeface="Arial" panose="020B0604020202020204" pitchFamily="34" charset="0"/>
+                <a:cs typeface="Arial" panose="020B0604020202020204" pitchFamily="34" charset="0"/>
+              </a:rPr>
+              <a:t>Vistas:</a:t>
+            </a:r>
+            <a:endParaRPr lang="es-AR" dirty="0" smtClean="0">
+              <a:latin typeface="Arial" panose="020B0604020202020204" pitchFamily="34" charset="0"/>
+              <a:cs typeface="Arial" panose="020B0604020202020204" pitchFamily="34" charset="0"/>
+            </a:endParaRPr>
+          </a:p>
+          <a:p>
+            <a:endParaRPr lang="es-AR" dirty="0" smtClean="0">
+              <a:latin typeface="Arial" panose="020B0604020202020204" pitchFamily="34" charset="0"/>
+              <a:cs typeface="Arial" panose="020B0604020202020204" pitchFamily="34" charset="0"/>
+            </a:endParaRPr>
+          </a:p>
+          <a:p>
+            <a:pPr marL="285750" indent="-285750">
+              <a:buFont typeface="Arial" panose="020B0604020202020204" pitchFamily="34" charset="0"/>
+              <a:buChar char="•"/>
+            </a:pPr>
+            <a:r>
+              <a:rPr lang="es-AR" sz="1600" dirty="0" err="1" smtClean="0">
+                <a:latin typeface="Arial" panose="020B0604020202020204" pitchFamily="34" charset="0"/>
+                <a:cs typeface="Arial" panose="020B0604020202020204" pitchFamily="34" charset="0"/>
+              </a:rPr>
+              <a:t>historia_clínica</a:t>
+            </a:r>
+            <a:r>
+              <a:rPr lang="es-AR" sz="1600" dirty="0" smtClean="0">
+                <a:latin typeface="Arial" panose="020B0604020202020204" pitchFamily="34" charset="0"/>
+                <a:cs typeface="Arial" panose="020B0604020202020204" pitchFamily="34" charset="0"/>
+              </a:rPr>
+              <a:t>: Genera una vista de la historia clínica de todos los pacientes. Si se restringe por documento (por ejemplo) se obtiene la historia clínica de cada paciente.</a:t>
+            </a:r>
+          </a:p>
+          <a:p>
+            <a:pPr marL="285750" indent="-285750">
+              <a:buFont typeface="Arial" panose="020B0604020202020204" pitchFamily="34" charset="0"/>
+              <a:buChar char="•"/>
+            </a:pPr>
+            <a:endParaRPr lang="es-AR" sz="1600" dirty="0">
+              <a:latin typeface="Arial" panose="020B0604020202020204" pitchFamily="34" charset="0"/>
+              <a:cs typeface="Arial" panose="020B0604020202020204" pitchFamily="34" charset="0"/>
+            </a:endParaRPr>
+          </a:p>
+          <a:p>
+            <a:pPr marL="285750" indent="-285750">
+              <a:buFont typeface="Arial" panose="020B0604020202020204" pitchFamily="34" charset="0"/>
+              <a:buChar char="•"/>
+            </a:pPr>
+            <a:r>
+              <a:rPr lang="es-AR" sz="1600" dirty="0" smtClean="0">
+                <a:latin typeface="Arial" panose="020B0604020202020204" pitchFamily="34" charset="0"/>
+                <a:cs typeface="Arial" panose="020B0604020202020204" pitchFamily="34" charset="0"/>
+              </a:rPr>
+              <a:t>agenda: Esta vista permite extraer la agenda de turnos de la clínica. SI se restringe por nombre de profesional y día, </a:t>
+            </a:r>
+            <a:r>
+              <a:rPr lang="es-AR" sz="1600" dirty="0" err="1" smtClean="0">
+                <a:latin typeface="Arial" panose="020B0604020202020204" pitchFamily="34" charset="0"/>
+                <a:cs typeface="Arial" panose="020B0604020202020204" pitchFamily="34" charset="0"/>
+              </a:rPr>
+              <a:t>tenés</a:t>
+            </a:r>
+            <a:r>
+              <a:rPr lang="es-AR" sz="1600" dirty="0" smtClean="0">
+                <a:latin typeface="Arial" panose="020B0604020202020204" pitchFamily="34" charset="0"/>
+                <a:cs typeface="Arial" panose="020B0604020202020204" pitchFamily="34" charset="0"/>
+              </a:rPr>
+              <a:t> la agenda de un día para un odontólogo. O se puede extraer la agenda de una semana en particular.</a:t>
+            </a:r>
+          </a:p>
+          <a:p>
+            <a:pPr marL="285750" indent="-285750">
+              <a:buFont typeface="Arial" panose="020B0604020202020204" pitchFamily="34" charset="0"/>
+              <a:buChar char="•"/>
+            </a:pPr>
+            <a:endParaRPr lang="es-AR" sz="1600" dirty="0">
+              <a:latin typeface="Arial" panose="020B0604020202020204" pitchFamily="34" charset="0"/>
+              <a:cs typeface="Arial" panose="020B0604020202020204" pitchFamily="34" charset="0"/>
+            </a:endParaRPr>
+          </a:p>
+          <a:p>
+            <a:pPr marL="285750" indent="-285750">
+              <a:buFont typeface="Arial" panose="020B0604020202020204" pitchFamily="34" charset="0"/>
+              <a:buChar char="•"/>
+            </a:pPr>
+            <a:r>
+              <a:rPr lang="es-AR" sz="1600" dirty="0" err="1" smtClean="0">
+                <a:latin typeface="Arial" panose="020B0604020202020204" pitchFamily="34" charset="0"/>
+                <a:cs typeface="Arial" panose="020B0604020202020204" pitchFamily="34" charset="0"/>
+              </a:rPr>
+              <a:t>agenda_radiológica</a:t>
+            </a:r>
+            <a:r>
+              <a:rPr lang="es-AR" sz="1600" dirty="0" smtClean="0">
+                <a:latin typeface="Arial" panose="020B0604020202020204" pitchFamily="34" charset="0"/>
+                <a:cs typeface="Arial" panose="020B0604020202020204" pitchFamily="34" charset="0"/>
+              </a:rPr>
+              <a:t>: Igual que la vista anterior pero limitada a los turnos asignados a estudios radiológicos, no realizados por odontólogos.</a:t>
+            </a:r>
+          </a:p>
+        </p:txBody>
+      </p:sp>
+      <p:sp>
+        <p:nvSpPr>
+          <p:cNvPr id="7" name="CuadroTexto 6"/>
+          <p:cNvSpPr txBox="1"/>
+          <p:nvPr/>
+        </p:nvSpPr>
+        <p:spPr>
+          <a:xfrm>
+            <a:off x="261257" y="6066410"/>
+            <a:ext cx="11930743" cy="646331"/>
+          </a:xfrm>
+          <a:prstGeom prst="rect">
+            <a:avLst/>
+          </a:prstGeom>
+          <a:noFill/>
+        </p:spPr>
+        <p:txBody>
+          <a:bodyPr wrap="square" rtlCol="0">
+            <a:spAutoFit/>
+          </a:bodyPr>
+          <a:lstStyle/>
+          <a:p>
+            <a:pPr algn="ctr"/>
+            <a:r>
+              <a:rPr lang="es-AR" dirty="0" smtClean="0">
+                <a:latin typeface="Arial" panose="020B0604020202020204" pitchFamily="34" charset="0"/>
+                <a:cs typeface="Arial" panose="020B0604020202020204" pitchFamily="34" charset="0"/>
+              </a:rPr>
+              <a:t>Link a archivo </a:t>
+            </a:r>
+            <a:r>
+              <a:rPr lang="es-AR" dirty="0" smtClean="0">
+                <a:latin typeface="Arial" panose="020B0604020202020204" pitchFamily="34" charset="0"/>
+                <a:cs typeface="Arial" panose="020B0604020202020204" pitchFamily="34" charset="0"/>
+              </a:rPr>
+              <a:t>.</a:t>
+            </a:r>
+            <a:r>
+              <a:rPr lang="es-AR" dirty="0" err="1" smtClean="0">
+                <a:latin typeface="Arial" panose="020B0604020202020204" pitchFamily="34" charset="0"/>
+                <a:cs typeface="Arial" panose="020B0604020202020204" pitchFamily="34" charset="0"/>
+              </a:rPr>
+              <a:t>sql</a:t>
+            </a:r>
+            <a:r>
+              <a:rPr lang="es-AR" dirty="0" smtClean="0">
+                <a:latin typeface="Arial" panose="020B0604020202020204" pitchFamily="34" charset="0"/>
+                <a:cs typeface="Arial" panose="020B0604020202020204" pitchFamily="34" charset="0"/>
+              </a:rPr>
+              <a:t>:</a:t>
+            </a:r>
+          </a:p>
+          <a:p>
+            <a:pPr algn="ctr"/>
+            <a:r>
+              <a:rPr lang="es-AR" dirty="0">
+                <a:latin typeface="Arial" panose="020B0604020202020204" pitchFamily="34" charset="0"/>
+                <a:cs typeface="Arial" panose="020B0604020202020204" pitchFamily="34" charset="0"/>
+                <a:hlinkClick r:id="rId3"/>
+              </a:rPr>
+              <a:t>https://</a:t>
+            </a:r>
+            <a:r>
+              <a:rPr lang="es-AR" dirty="0" smtClean="0">
+                <a:latin typeface="Arial" panose="020B0604020202020204" pitchFamily="34" charset="0"/>
+                <a:cs typeface="Arial" panose="020B0604020202020204" pitchFamily="34" charset="0"/>
+                <a:hlinkClick r:id="rId3"/>
+              </a:rPr>
+              <a:t>github.com/lbenav90/fymdentalSQL/blob/ac464f341bdef3450f2acb8ecc745e6df3cb82cc/fymdental.sql</a:t>
+            </a:r>
+            <a:endParaRPr lang="es-AR" dirty="0" smtClean="0">
+              <a:latin typeface="Arial" panose="020B0604020202020204" pitchFamily="34" charset="0"/>
+              <a:cs typeface="Arial" panose="020B0604020202020204" pitchFamily="34" charset="0"/>
+            </a:endParaRPr>
+          </a:p>
+        </p:txBody>
+      </p:sp>
+    </p:spTree>
+    <p:extLst>
+      <p:ext uri="{BB962C8B-B14F-4D97-AF65-F5344CB8AC3E}">
+        <p14:creationId xmlns:p14="http://schemas.microsoft.com/office/powerpoint/2010/main" val="890435436"/>
       </p:ext>
     </p:extLst>
   </p:cSld>
